--- a/trunk/SeamAmiciDelGas/risorse_gassose/presentazione_demo/SeamAmiciDelGas.pptx
+++ b/trunk/SeamAmiciDelGas/risorse_gassose/presentazione_demo/SeamAmiciDelGas.pptx
@@ -5,7 +5,7 @@
     <p:sldMasterId id="2147483732" r:id="rId1"/>
   </p:sldMasterIdLst>
   <p:notesMasterIdLst>
-    <p:notesMasterId r:id="rId41"/>
+    <p:notesMasterId r:id="rId43"/>
   </p:notesMasterIdLst>
   <p:sldIdLst>
     <p:sldId id="256" r:id="rId2"/>
@@ -47,31 +47,33 @@
     <p:sldId id="300" r:id="rId38"/>
     <p:sldId id="305" r:id="rId39"/>
     <p:sldId id="308" r:id="rId40"/>
+    <p:sldId id="309" r:id="rId41"/>
+    <p:sldId id="310" r:id="rId42"/>
   </p:sldIdLst>
   <p:sldSz cx="9144000" cy="6858000" type="screen4x3"/>
   <p:notesSz cx="6858000" cy="9144000"/>
   <p:embeddedFontLst>
     <p:embeddedFont>
       <p:font typeface="Calibri" pitchFamily="34" charset="0"/>
-      <p:regular r:id="rId42"/>
-      <p:bold r:id="rId43"/>
-      <p:italic r:id="rId44"/>
-      <p:boldItalic r:id="rId45"/>
+      <p:regular r:id="rId44"/>
+      <p:bold r:id="rId45"/>
+      <p:italic r:id="rId46"/>
+      <p:boldItalic r:id="rId47"/>
     </p:embeddedFont>
     <p:embeddedFont>
       <p:font typeface="Wingdings 2" pitchFamily="18" charset="2"/>
-      <p:regular r:id="rId46"/>
+      <p:regular r:id="rId48"/>
     </p:embeddedFont>
     <p:embeddedFont>
       <p:font typeface="Constantia" pitchFamily="18" charset="0"/>
-      <p:regular r:id="rId47"/>
-      <p:bold r:id="rId48"/>
-      <p:italic r:id="rId49"/>
-      <p:boldItalic r:id="rId50"/>
+      <p:regular r:id="rId49"/>
+      <p:bold r:id="rId50"/>
+      <p:italic r:id="rId51"/>
+      <p:boldItalic r:id="rId52"/>
     </p:embeddedFont>
     <p:embeddedFont>
       <p:font typeface="Lucida Sans Unicode" pitchFamily="34" charset="0"/>
-      <p:regular r:id="rId51"/>
+      <p:regular r:id="rId53"/>
     </p:embeddedFont>
   </p:embeddedFontLst>
   <p:defaultTextStyle>
@@ -170,6 +172,2824 @@
     </a:lvl9pPr>
   </p:defaultTextStyle>
 </p:presentation>
+</file>
+
+<file path=ppt/diagrams/colors1.xml><?xml version="1.0" encoding="utf-8"?>
+<dgm:colorsDef xmlns:dgm="http://schemas.openxmlformats.org/drawingml/2006/diagram" xmlns:a="http://schemas.openxmlformats.org/drawingml/2006/main" uniqueId="urn:microsoft.com/office/officeart/2005/8/colors/accent1_2">
+  <dgm:title val=""/>
+  <dgm:desc val=""/>
+  <dgm:catLst>
+    <dgm:cat type="accent1" pri="11200"/>
+  </dgm:catLst>
+  <dgm:styleLbl name="node0">
+    <dgm:fillClrLst meth="repeat">
+      <a:schemeClr val="accent1"/>
+    </dgm:fillClrLst>
+    <dgm:linClrLst meth="repeat">
+      <a:schemeClr val="lt1"/>
+    </dgm:linClrLst>
+    <dgm:effectClrLst/>
+    <dgm:txLinClrLst/>
+    <dgm:txFillClrLst/>
+    <dgm:txEffectClrLst/>
+  </dgm:styleLbl>
+  <dgm:styleLbl name="alignNode1">
+    <dgm:fillClrLst meth="repeat">
+      <a:schemeClr val="accent1"/>
+    </dgm:fillClrLst>
+    <dgm:linClrLst meth="repeat">
+      <a:schemeClr val="accent1"/>
+    </dgm:linClrLst>
+    <dgm:effectClrLst/>
+    <dgm:txLinClrLst/>
+    <dgm:txFillClrLst/>
+    <dgm:txEffectClrLst/>
+  </dgm:styleLbl>
+  <dgm:styleLbl name="node1">
+    <dgm:fillClrLst meth="repeat">
+      <a:schemeClr val="accent1"/>
+    </dgm:fillClrLst>
+    <dgm:linClrLst meth="repeat">
+      <a:schemeClr val="lt1"/>
+    </dgm:linClrLst>
+    <dgm:effectClrLst/>
+    <dgm:txLinClrLst/>
+    <dgm:txFillClrLst/>
+    <dgm:txEffectClrLst/>
+  </dgm:styleLbl>
+  <dgm:styleLbl name="lnNode1">
+    <dgm:fillClrLst meth="repeat">
+      <a:schemeClr val="accent1"/>
+    </dgm:fillClrLst>
+    <dgm:linClrLst meth="repeat">
+      <a:schemeClr val="lt1"/>
+    </dgm:linClrLst>
+    <dgm:effectClrLst/>
+    <dgm:txLinClrLst/>
+    <dgm:txFillClrLst/>
+    <dgm:txEffectClrLst/>
+  </dgm:styleLbl>
+  <dgm:styleLbl name="vennNode1">
+    <dgm:fillClrLst meth="repeat">
+      <a:schemeClr val="accent1">
+        <a:alpha val="50000"/>
+      </a:schemeClr>
+    </dgm:fillClrLst>
+    <dgm:linClrLst meth="repeat">
+      <a:schemeClr val="lt1"/>
+    </dgm:linClrLst>
+    <dgm:effectClrLst/>
+    <dgm:txLinClrLst/>
+    <dgm:txFillClrLst/>
+    <dgm:txEffectClrLst/>
+  </dgm:styleLbl>
+  <dgm:styleLbl name="node2">
+    <dgm:fillClrLst meth="repeat">
+      <a:schemeClr val="accent1"/>
+    </dgm:fillClrLst>
+    <dgm:linClrLst meth="repeat">
+      <a:schemeClr val="lt1"/>
+    </dgm:linClrLst>
+    <dgm:effectClrLst/>
+    <dgm:txLinClrLst/>
+    <dgm:txFillClrLst/>
+    <dgm:txEffectClrLst/>
+  </dgm:styleLbl>
+  <dgm:styleLbl name="node3">
+    <dgm:fillClrLst meth="repeat">
+      <a:schemeClr val="accent1"/>
+    </dgm:fillClrLst>
+    <dgm:linClrLst meth="repeat">
+      <a:schemeClr val="lt1"/>
+    </dgm:linClrLst>
+    <dgm:effectClrLst/>
+    <dgm:txLinClrLst/>
+    <dgm:txFillClrLst/>
+    <dgm:txEffectClrLst/>
+  </dgm:styleLbl>
+  <dgm:styleLbl name="node4">
+    <dgm:fillClrLst meth="repeat">
+      <a:schemeClr val="accent1"/>
+    </dgm:fillClrLst>
+    <dgm:linClrLst meth="repeat">
+      <a:schemeClr val="lt1"/>
+    </dgm:linClrLst>
+    <dgm:effectClrLst/>
+    <dgm:txLinClrLst/>
+    <dgm:txFillClrLst/>
+    <dgm:txEffectClrLst/>
+  </dgm:styleLbl>
+  <dgm:styleLbl name="fgImgPlace1">
+    <dgm:fillClrLst meth="repeat">
+      <a:schemeClr val="accent1">
+        <a:tint val="50000"/>
+      </a:schemeClr>
+    </dgm:fillClrLst>
+    <dgm:linClrLst meth="repeat">
+      <a:schemeClr val="lt1"/>
+    </dgm:linClrLst>
+    <dgm:effectClrLst/>
+    <dgm:txLinClrLst/>
+    <dgm:txFillClrLst meth="repeat">
+      <a:schemeClr val="lt1"/>
+    </dgm:txFillClrLst>
+    <dgm:txEffectClrLst/>
+  </dgm:styleLbl>
+  <dgm:styleLbl name="alignImgPlace1">
+    <dgm:fillClrLst meth="repeat">
+      <a:schemeClr val="accent1">
+        <a:tint val="50000"/>
+      </a:schemeClr>
+    </dgm:fillClrLst>
+    <dgm:linClrLst meth="repeat">
+      <a:schemeClr val="lt1"/>
+    </dgm:linClrLst>
+    <dgm:effectClrLst/>
+    <dgm:txLinClrLst/>
+    <dgm:txFillClrLst meth="repeat">
+      <a:schemeClr val="lt1"/>
+    </dgm:txFillClrLst>
+    <dgm:txEffectClrLst/>
+  </dgm:styleLbl>
+  <dgm:styleLbl name="bgImgPlace1">
+    <dgm:fillClrLst meth="repeat">
+      <a:schemeClr val="accent1">
+        <a:tint val="50000"/>
+      </a:schemeClr>
+    </dgm:fillClrLst>
+    <dgm:linClrLst meth="repeat">
+      <a:schemeClr val="lt1"/>
+    </dgm:linClrLst>
+    <dgm:effectClrLst/>
+    <dgm:txLinClrLst/>
+    <dgm:txFillClrLst meth="repeat">
+      <a:schemeClr val="lt1"/>
+    </dgm:txFillClrLst>
+    <dgm:txEffectClrLst/>
+  </dgm:styleLbl>
+  <dgm:styleLbl name="sibTrans2D1">
+    <dgm:fillClrLst meth="repeat">
+      <a:schemeClr val="accent1">
+        <a:tint val="60000"/>
+      </a:schemeClr>
+    </dgm:fillClrLst>
+    <dgm:linClrLst meth="repeat">
+      <a:schemeClr val="accent1">
+        <a:tint val="60000"/>
+      </a:schemeClr>
+    </dgm:linClrLst>
+    <dgm:effectClrLst/>
+    <dgm:txLinClrLst/>
+    <dgm:txFillClrLst/>
+    <dgm:txEffectClrLst/>
+  </dgm:styleLbl>
+  <dgm:styleLbl name="fgSibTrans2D1">
+    <dgm:fillClrLst meth="repeat">
+      <a:schemeClr val="accent1">
+        <a:tint val="60000"/>
+      </a:schemeClr>
+    </dgm:fillClrLst>
+    <dgm:linClrLst meth="repeat">
+      <a:schemeClr val="accent1">
+        <a:tint val="60000"/>
+      </a:schemeClr>
+    </dgm:linClrLst>
+    <dgm:effectClrLst/>
+    <dgm:txLinClrLst/>
+    <dgm:txFillClrLst/>
+    <dgm:txEffectClrLst/>
+  </dgm:styleLbl>
+  <dgm:styleLbl name="bgSibTrans2D1">
+    <dgm:fillClrLst meth="repeat">
+      <a:schemeClr val="accent1">
+        <a:tint val="60000"/>
+      </a:schemeClr>
+    </dgm:fillClrLst>
+    <dgm:linClrLst meth="repeat">
+      <a:schemeClr val="accent1">
+        <a:tint val="60000"/>
+      </a:schemeClr>
+    </dgm:linClrLst>
+    <dgm:effectClrLst/>
+    <dgm:txLinClrLst/>
+    <dgm:txFillClrLst/>
+    <dgm:txEffectClrLst/>
+  </dgm:styleLbl>
+  <dgm:styleLbl name="sibTrans1D1">
+    <dgm:fillClrLst meth="repeat">
+      <a:schemeClr val="accent1"/>
+    </dgm:fillClrLst>
+    <dgm:linClrLst meth="repeat">
+      <a:schemeClr val="accent1"/>
+    </dgm:linClrLst>
+    <dgm:effectClrLst/>
+    <dgm:txLinClrLst/>
+    <dgm:txFillClrLst meth="repeat">
+      <a:schemeClr val="tx1"/>
+    </dgm:txFillClrLst>
+    <dgm:txEffectClrLst/>
+  </dgm:styleLbl>
+  <dgm:styleLbl name="callout">
+    <dgm:fillClrLst meth="repeat">
+      <a:schemeClr val="accent1"/>
+    </dgm:fillClrLst>
+    <dgm:linClrLst meth="repeat">
+      <a:schemeClr val="accent1">
+        <a:tint val="50000"/>
+      </a:schemeClr>
+    </dgm:linClrLst>
+    <dgm:effectClrLst/>
+    <dgm:txLinClrLst/>
+    <dgm:txFillClrLst meth="repeat">
+      <a:schemeClr val="tx1"/>
+    </dgm:txFillClrLst>
+    <dgm:txEffectClrLst/>
+  </dgm:styleLbl>
+  <dgm:styleLbl name="asst0">
+    <dgm:fillClrLst meth="repeat">
+      <a:schemeClr val="accent1"/>
+    </dgm:fillClrLst>
+    <dgm:linClrLst meth="repeat">
+      <a:schemeClr val="lt1"/>
+    </dgm:linClrLst>
+    <dgm:effectClrLst/>
+    <dgm:txLinClrLst/>
+    <dgm:txFillClrLst/>
+    <dgm:txEffectClrLst/>
+  </dgm:styleLbl>
+  <dgm:styleLbl name="asst1">
+    <dgm:fillClrLst meth="repeat">
+      <a:schemeClr val="accent1"/>
+    </dgm:fillClrLst>
+    <dgm:linClrLst meth="repeat">
+      <a:schemeClr val="lt1"/>
+    </dgm:linClrLst>
+    <dgm:effectClrLst/>
+    <dgm:txLinClrLst/>
+    <dgm:txFillClrLst/>
+    <dgm:txEffectClrLst/>
+  </dgm:styleLbl>
+  <dgm:styleLbl name="asst2">
+    <dgm:fillClrLst meth="repeat">
+      <a:schemeClr val="accent1"/>
+    </dgm:fillClrLst>
+    <dgm:linClrLst meth="repeat">
+      <a:schemeClr val="lt1"/>
+    </dgm:linClrLst>
+    <dgm:effectClrLst/>
+    <dgm:txLinClrLst/>
+    <dgm:txFillClrLst/>
+    <dgm:txEffectClrLst/>
+  </dgm:styleLbl>
+  <dgm:styleLbl name="asst3">
+    <dgm:fillClrLst meth="repeat">
+      <a:schemeClr val="accent1"/>
+    </dgm:fillClrLst>
+    <dgm:linClrLst meth="repeat">
+      <a:schemeClr val="lt1"/>
+    </dgm:linClrLst>
+    <dgm:effectClrLst/>
+    <dgm:txLinClrLst/>
+    <dgm:txFillClrLst/>
+    <dgm:txEffectClrLst/>
+  </dgm:styleLbl>
+  <dgm:styleLbl name="asst4">
+    <dgm:fillClrLst meth="repeat">
+      <a:schemeClr val="accent1"/>
+    </dgm:fillClrLst>
+    <dgm:linClrLst meth="repeat">
+      <a:schemeClr val="lt1"/>
+    </dgm:linClrLst>
+    <dgm:effectClrLst/>
+    <dgm:txLinClrLst/>
+    <dgm:txFillClrLst/>
+    <dgm:txEffectClrLst/>
+  </dgm:styleLbl>
+  <dgm:styleLbl name="parChTrans2D1">
+    <dgm:fillClrLst meth="repeat">
+      <a:schemeClr val="accent1">
+        <a:tint val="60000"/>
+      </a:schemeClr>
+    </dgm:fillClrLst>
+    <dgm:linClrLst meth="repeat">
+      <a:schemeClr val="accent1">
+        <a:tint val="60000"/>
+      </a:schemeClr>
+    </dgm:linClrLst>
+    <dgm:effectClrLst/>
+    <dgm:txLinClrLst/>
+    <dgm:txFillClrLst meth="repeat">
+      <a:schemeClr val="lt1"/>
+    </dgm:txFillClrLst>
+    <dgm:txEffectClrLst/>
+  </dgm:styleLbl>
+  <dgm:styleLbl name="parChTrans2D2">
+    <dgm:fillClrLst meth="repeat">
+      <a:schemeClr val="accent1"/>
+    </dgm:fillClrLst>
+    <dgm:linClrLst meth="repeat">
+      <a:schemeClr val="accent1"/>
+    </dgm:linClrLst>
+    <dgm:effectClrLst/>
+    <dgm:txLinClrLst/>
+    <dgm:txFillClrLst meth="repeat">
+      <a:schemeClr val="lt1"/>
+    </dgm:txFillClrLst>
+    <dgm:txEffectClrLst/>
+  </dgm:styleLbl>
+  <dgm:styleLbl name="parChTrans2D3">
+    <dgm:fillClrLst meth="repeat">
+      <a:schemeClr val="accent1"/>
+    </dgm:fillClrLst>
+    <dgm:linClrLst meth="repeat">
+      <a:schemeClr val="accent1"/>
+    </dgm:linClrLst>
+    <dgm:effectClrLst/>
+    <dgm:txLinClrLst/>
+    <dgm:txFillClrLst meth="repeat">
+      <a:schemeClr val="lt1"/>
+    </dgm:txFillClrLst>
+    <dgm:txEffectClrLst/>
+  </dgm:styleLbl>
+  <dgm:styleLbl name="parChTrans2D4">
+    <dgm:fillClrLst meth="repeat">
+      <a:schemeClr val="accent1"/>
+    </dgm:fillClrLst>
+    <dgm:linClrLst meth="repeat">
+      <a:schemeClr val="accent1"/>
+    </dgm:linClrLst>
+    <dgm:effectClrLst/>
+    <dgm:txLinClrLst/>
+    <dgm:txFillClrLst meth="repeat">
+      <a:schemeClr val="lt1"/>
+    </dgm:txFillClrLst>
+    <dgm:txEffectClrLst/>
+  </dgm:styleLbl>
+  <dgm:styleLbl name="parChTrans1D1">
+    <dgm:fillClrLst meth="repeat">
+      <a:schemeClr val="accent1"/>
+    </dgm:fillClrLst>
+    <dgm:linClrLst meth="repeat">
+      <a:schemeClr val="accent1">
+        <a:shade val="60000"/>
+      </a:schemeClr>
+    </dgm:linClrLst>
+    <dgm:effectClrLst/>
+    <dgm:txLinClrLst/>
+    <dgm:txFillClrLst meth="repeat">
+      <a:schemeClr val="tx1"/>
+    </dgm:txFillClrLst>
+    <dgm:txEffectClrLst/>
+  </dgm:styleLbl>
+  <dgm:styleLbl name="parChTrans1D2">
+    <dgm:fillClrLst meth="repeat">
+      <a:schemeClr val="accent1"/>
+    </dgm:fillClrLst>
+    <dgm:linClrLst meth="repeat">
+      <a:schemeClr val="accent1">
+        <a:shade val="60000"/>
+      </a:schemeClr>
+    </dgm:linClrLst>
+    <dgm:effectClrLst/>
+    <dgm:txLinClrLst/>
+    <dgm:txFillClrLst meth="repeat">
+      <a:schemeClr val="tx1"/>
+    </dgm:txFillClrLst>
+    <dgm:txEffectClrLst/>
+  </dgm:styleLbl>
+  <dgm:styleLbl name="parChTrans1D3">
+    <dgm:fillClrLst meth="repeat">
+      <a:schemeClr val="accent1"/>
+    </dgm:fillClrLst>
+    <dgm:linClrLst meth="repeat">
+      <a:schemeClr val="accent1">
+        <a:shade val="80000"/>
+      </a:schemeClr>
+    </dgm:linClrLst>
+    <dgm:effectClrLst/>
+    <dgm:txLinClrLst/>
+    <dgm:txFillClrLst meth="repeat">
+      <a:schemeClr val="tx1"/>
+    </dgm:txFillClrLst>
+    <dgm:txEffectClrLst/>
+  </dgm:styleLbl>
+  <dgm:styleLbl name="parChTrans1D4">
+    <dgm:fillClrLst meth="repeat">
+      <a:schemeClr val="accent1"/>
+    </dgm:fillClrLst>
+    <dgm:linClrLst meth="repeat">
+      <a:schemeClr val="accent1">
+        <a:shade val="80000"/>
+      </a:schemeClr>
+    </dgm:linClrLst>
+    <dgm:effectClrLst/>
+    <dgm:txLinClrLst/>
+    <dgm:txFillClrLst meth="repeat">
+      <a:schemeClr val="tx1"/>
+    </dgm:txFillClrLst>
+    <dgm:txEffectClrLst/>
+  </dgm:styleLbl>
+  <dgm:styleLbl name="fgAcc1">
+    <dgm:fillClrLst meth="repeat">
+      <a:schemeClr val="lt1">
+        <a:alpha val="90000"/>
+      </a:schemeClr>
+    </dgm:fillClrLst>
+    <dgm:linClrLst meth="repeat">
+      <a:schemeClr val="accent1"/>
+    </dgm:linClrLst>
+    <dgm:effectClrLst/>
+    <dgm:txLinClrLst/>
+    <dgm:txFillClrLst meth="repeat">
+      <a:schemeClr val="dk1"/>
+    </dgm:txFillClrLst>
+    <dgm:txEffectClrLst/>
+  </dgm:styleLbl>
+  <dgm:styleLbl name="conFgAcc1">
+    <dgm:fillClrLst meth="repeat">
+      <a:schemeClr val="lt1">
+        <a:alpha val="90000"/>
+      </a:schemeClr>
+    </dgm:fillClrLst>
+    <dgm:linClrLst meth="repeat">
+      <a:schemeClr val="accent1"/>
+    </dgm:linClrLst>
+    <dgm:effectClrLst/>
+    <dgm:txLinClrLst/>
+    <dgm:txFillClrLst meth="repeat">
+      <a:schemeClr val="dk1"/>
+    </dgm:txFillClrLst>
+    <dgm:txEffectClrLst/>
+  </dgm:styleLbl>
+  <dgm:styleLbl name="alignAcc1">
+    <dgm:fillClrLst meth="repeat">
+      <a:schemeClr val="lt1">
+        <a:alpha val="90000"/>
+      </a:schemeClr>
+    </dgm:fillClrLst>
+    <dgm:linClrLst meth="repeat">
+      <a:schemeClr val="accent1"/>
+    </dgm:linClrLst>
+    <dgm:effectClrLst/>
+    <dgm:txLinClrLst/>
+    <dgm:txFillClrLst meth="repeat">
+      <a:schemeClr val="dk1"/>
+    </dgm:txFillClrLst>
+    <dgm:txEffectClrLst/>
+  </dgm:styleLbl>
+  <dgm:styleLbl name="trAlignAcc1">
+    <dgm:fillClrLst meth="repeat">
+      <a:schemeClr val="lt1">
+        <a:alpha val="40000"/>
+      </a:schemeClr>
+    </dgm:fillClrLst>
+    <dgm:linClrLst meth="repeat">
+      <a:schemeClr val="accent1"/>
+    </dgm:linClrLst>
+    <dgm:effectClrLst/>
+    <dgm:txLinClrLst/>
+    <dgm:txFillClrLst meth="repeat">
+      <a:schemeClr val="dk1"/>
+    </dgm:txFillClrLst>
+    <dgm:txEffectClrLst/>
+  </dgm:styleLbl>
+  <dgm:styleLbl name="bgAcc1">
+    <dgm:fillClrLst meth="repeat">
+      <a:schemeClr val="lt1">
+        <a:alpha val="90000"/>
+      </a:schemeClr>
+    </dgm:fillClrLst>
+    <dgm:linClrLst meth="repeat">
+      <a:schemeClr val="accent1"/>
+    </dgm:linClrLst>
+    <dgm:effectClrLst/>
+    <dgm:txLinClrLst/>
+    <dgm:txFillClrLst meth="repeat">
+      <a:schemeClr val="dk1"/>
+    </dgm:txFillClrLst>
+    <dgm:txEffectClrLst/>
+  </dgm:styleLbl>
+  <dgm:styleLbl name="solidFgAcc1">
+    <dgm:fillClrLst meth="repeat">
+      <a:schemeClr val="lt1"/>
+    </dgm:fillClrLst>
+    <dgm:linClrLst meth="repeat">
+      <a:schemeClr val="accent1"/>
+    </dgm:linClrLst>
+    <dgm:effectClrLst/>
+    <dgm:txLinClrLst/>
+    <dgm:txFillClrLst meth="repeat">
+      <a:schemeClr val="dk1"/>
+    </dgm:txFillClrLst>
+    <dgm:txEffectClrLst/>
+  </dgm:styleLbl>
+  <dgm:styleLbl name="solidAlignAcc1">
+    <dgm:fillClrLst meth="repeat">
+      <a:schemeClr val="lt1"/>
+    </dgm:fillClrLst>
+    <dgm:linClrLst meth="repeat">
+      <a:schemeClr val="accent1"/>
+    </dgm:linClrLst>
+    <dgm:effectClrLst/>
+    <dgm:txLinClrLst/>
+    <dgm:txFillClrLst meth="repeat">
+      <a:schemeClr val="dk1"/>
+    </dgm:txFillClrLst>
+    <dgm:txEffectClrLst/>
+  </dgm:styleLbl>
+  <dgm:styleLbl name="solidBgAcc1">
+    <dgm:fillClrLst meth="repeat">
+      <a:schemeClr val="lt1"/>
+    </dgm:fillClrLst>
+    <dgm:linClrLst meth="repeat">
+      <a:schemeClr val="accent1"/>
+    </dgm:linClrLst>
+    <dgm:effectClrLst/>
+    <dgm:txLinClrLst/>
+    <dgm:txFillClrLst meth="repeat">
+      <a:schemeClr val="dk1"/>
+    </dgm:txFillClrLst>
+    <dgm:txEffectClrLst/>
+  </dgm:styleLbl>
+  <dgm:styleLbl name="fgAccFollowNode1">
+    <dgm:fillClrLst meth="repeat">
+      <a:schemeClr val="accent1">
+        <a:alpha val="90000"/>
+        <a:tint val="40000"/>
+      </a:schemeClr>
+    </dgm:fillClrLst>
+    <dgm:linClrLst meth="repeat">
+      <a:schemeClr val="accent1">
+        <a:alpha val="90000"/>
+        <a:tint val="40000"/>
+      </a:schemeClr>
+    </dgm:linClrLst>
+    <dgm:effectClrLst/>
+    <dgm:txLinClrLst/>
+    <dgm:txFillClrLst meth="repeat">
+      <a:schemeClr val="dk1"/>
+    </dgm:txFillClrLst>
+    <dgm:txEffectClrLst/>
+  </dgm:styleLbl>
+  <dgm:styleLbl name="alignAccFollowNode1">
+    <dgm:fillClrLst meth="repeat">
+      <a:schemeClr val="accent1">
+        <a:alpha val="90000"/>
+        <a:tint val="40000"/>
+      </a:schemeClr>
+    </dgm:fillClrLst>
+    <dgm:linClrLst meth="repeat">
+      <a:schemeClr val="accent1">
+        <a:alpha val="90000"/>
+        <a:tint val="40000"/>
+      </a:schemeClr>
+    </dgm:linClrLst>
+    <dgm:effectClrLst/>
+    <dgm:txLinClrLst/>
+    <dgm:txFillClrLst meth="repeat">
+      <a:schemeClr val="dk1"/>
+    </dgm:txFillClrLst>
+    <dgm:txEffectClrLst/>
+  </dgm:styleLbl>
+  <dgm:styleLbl name="bgAccFollowNode1">
+    <dgm:fillClrLst meth="repeat">
+      <a:schemeClr val="accent1">
+        <a:alpha val="90000"/>
+        <a:tint val="40000"/>
+      </a:schemeClr>
+    </dgm:fillClrLst>
+    <dgm:linClrLst meth="repeat">
+      <a:schemeClr val="accent1">
+        <a:alpha val="90000"/>
+        <a:tint val="40000"/>
+      </a:schemeClr>
+    </dgm:linClrLst>
+    <dgm:effectClrLst/>
+    <dgm:txLinClrLst/>
+    <dgm:txFillClrLst meth="repeat">
+      <a:schemeClr val="dk1"/>
+    </dgm:txFillClrLst>
+    <dgm:txEffectClrLst/>
+  </dgm:styleLbl>
+  <dgm:styleLbl name="fgAcc0">
+    <dgm:fillClrLst meth="repeat">
+      <a:schemeClr val="lt1">
+        <a:alpha val="90000"/>
+      </a:schemeClr>
+    </dgm:fillClrLst>
+    <dgm:linClrLst meth="repeat">
+      <a:schemeClr val="accent1"/>
+    </dgm:linClrLst>
+    <dgm:effectClrLst/>
+    <dgm:txLinClrLst/>
+    <dgm:txFillClrLst meth="repeat">
+      <a:schemeClr val="dk1"/>
+    </dgm:txFillClrLst>
+    <dgm:txEffectClrLst/>
+  </dgm:styleLbl>
+  <dgm:styleLbl name="fgAcc2">
+    <dgm:fillClrLst meth="repeat">
+      <a:schemeClr val="lt1">
+        <a:alpha val="90000"/>
+      </a:schemeClr>
+    </dgm:fillClrLst>
+    <dgm:linClrLst meth="repeat">
+      <a:schemeClr val="accent1"/>
+    </dgm:linClrLst>
+    <dgm:effectClrLst/>
+    <dgm:txLinClrLst/>
+    <dgm:txFillClrLst meth="repeat">
+      <a:schemeClr val="dk1"/>
+    </dgm:txFillClrLst>
+    <dgm:txEffectClrLst/>
+  </dgm:styleLbl>
+  <dgm:styleLbl name="fgAcc3">
+    <dgm:fillClrLst meth="repeat">
+      <a:schemeClr val="lt1">
+        <a:alpha val="90000"/>
+      </a:schemeClr>
+    </dgm:fillClrLst>
+    <dgm:linClrLst meth="repeat">
+      <a:schemeClr val="accent1"/>
+    </dgm:linClrLst>
+    <dgm:effectClrLst/>
+    <dgm:txLinClrLst/>
+    <dgm:txFillClrLst meth="repeat">
+      <a:schemeClr val="dk1"/>
+    </dgm:txFillClrLst>
+    <dgm:txEffectClrLst/>
+  </dgm:styleLbl>
+  <dgm:styleLbl name="fgAcc4">
+    <dgm:fillClrLst meth="repeat">
+      <a:schemeClr val="lt1">
+        <a:alpha val="90000"/>
+      </a:schemeClr>
+    </dgm:fillClrLst>
+    <dgm:linClrLst meth="repeat">
+      <a:schemeClr val="accent1"/>
+    </dgm:linClrLst>
+    <dgm:effectClrLst/>
+    <dgm:txLinClrLst/>
+    <dgm:txFillClrLst meth="repeat">
+      <a:schemeClr val="dk1"/>
+    </dgm:txFillClrLst>
+    <dgm:txEffectClrLst/>
+  </dgm:styleLbl>
+  <dgm:styleLbl name="bgShp">
+    <dgm:fillClrLst meth="repeat">
+      <a:schemeClr val="accent1">
+        <a:tint val="40000"/>
+      </a:schemeClr>
+    </dgm:fillClrLst>
+    <dgm:linClrLst meth="repeat">
+      <a:schemeClr val="accent1"/>
+    </dgm:linClrLst>
+    <dgm:effectClrLst/>
+    <dgm:txLinClrLst/>
+    <dgm:txFillClrLst meth="repeat">
+      <a:schemeClr val="dk1"/>
+    </dgm:txFillClrLst>
+    <dgm:txEffectClrLst/>
+  </dgm:styleLbl>
+  <dgm:styleLbl name="dkBgShp">
+    <dgm:fillClrLst meth="repeat">
+      <a:schemeClr val="accent1">
+        <a:shade val="80000"/>
+      </a:schemeClr>
+    </dgm:fillClrLst>
+    <dgm:linClrLst meth="repeat">
+      <a:schemeClr val="accent1"/>
+    </dgm:linClrLst>
+    <dgm:effectClrLst/>
+    <dgm:txLinClrLst/>
+    <dgm:txFillClrLst meth="repeat">
+      <a:schemeClr val="lt1"/>
+    </dgm:txFillClrLst>
+    <dgm:txEffectClrLst/>
+  </dgm:styleLbl>
+  <dgm:styleLbl name="trBgShp">
+    <dgm:fillClrLst meth="repeat">
+      <a:schemeClr val="accent1">
+        <a:tint val="50000"/>
+        <a:alpha val="40000"/>
+      </a:schemeClr>
+    </dgm:fillClrLst>
+    <dgm:linClrLst meth="repeat">
+      <a:schemeClr val="accent1"/>
+    </dgm:linClrLst>
+    <dgm:effectClrLst/>
+    <dgm:txLinClrLst/>
+    <dgm:txFillClrLst meth="repeat">
+      <a:schemeClr val="lt1"/>
+    </dgm:txFillClrLst>
+    <dgm:txEffectClrLst/>
+  </dgm:styleLbl>
+  <dgm:styleLbl name="fgShp">
+    <dgm:fillClrLst meth="repeat">
+      <a:schemeClr val="accent1">
+        <a:tint val="60000"/>
+      </a:schemeClr>
+    </dgm:fillClrLst>
+    <dgm:linClrLst meth="repeat">
+      <a:schemeClr val="lt1"/>
+    </dgm:linClrLst>
+    <dgm:effectClrLst/>
+    <dgm:txLinClrLst/>
+    <dgm:txFillClrLst meth="repeat">
+      <a:schemeClr val="dk1"/>
+    </dgm:txFillClrLst>
+    <dgm:txEffectClrLst/>
+  </dgm:styleLbl>
+  <dgm:styleLbl name="revTx">
+    <dgm:fillClrLst meth="repeat">
+      <a:schemeClr val="lt1">
+        <a:alpha val="0"/>
+      </a:schemeClr>
+    </dgm:fillClrLst>
+    <dgm:linClrLst meth="repeat">
+      <a:schemeClr val="dk1">
+        <a:alpha val="0"/>
+      </a:schemeClr>
+    </dgm:linClrLst>
+    <dgm:effectClrLst/>
+    <dgm:txLinClrLst/>
+    <dgm:txFillClrLst meth="repeat">
+      <a:schemeClr val="tx1"/>
+    </dgm:txFillClrLst>
+    <dgm:txEffectClrLst/>
+  </dgm:styleLbl>
+</dgm:colorsDef>
+</file>
+
+<file path=ppt/diagrams/data1.xml><?xml version="1.0" encoding="utf-8"?>
+<dgm:dataModel xmlns:dgm="http://schemas.openxmlformats.org/drawingml/2006/diagram" xmlns:a="http://schemas.openxmlformats.org/drawingml/2006/main">
+  <dgm:ptLst>
+    <dgm:pt modelId="{5E96DB03-8F02-423E-A073-044D1AF71AC4}" type="doc">
+      <dgm:prSet loTypeId="urn:microsoft.com/office/officeart/2005/8/layout/cycle6" loCatId="relationship" qsTypeId="urn:microsoft.com/office/officeart/2005/8/quickstyle/simple3" qsCatId="simple" csTypeId="urn:microsoft.com/office/officeart/2005/8/colors/accent1_2" csCatId="accent1" phldr="1"/>
+      <dgm:spPr/>
+      <dgm:t>
+        <a:bodyPr/>
+        <a:lstStyle/>
+        <a:p>
+          <a:endParaRPr lang="it-IT"/>
+        </a:p>
+      </dgm:t>
+    </dgm:pt>
+    <dgm:pt modelId="{BED42D6D-4112-4A6A-8E99-A90F5B956E64}">
+      <dgm:prSet phldrT="[Testo]" custT="1"/>
+      <dgm:spPr/>
+      <dgm:t>
+        <a:bodyPr/>
+        <a:lstStyle/>
+        <a:p>
+          <a:r>
+            <a:rPr lang="it-IT" sz="1600" b="0" dirty="0" smtClean="0">
+              <a:latin typeface="+mj-lt"/>
+            </a:rPr>
+            <a:t>State</a:t>
+          </a:r>
+          <a:endParaRPr lang="it-IT" sz="1600" b="0" dirty="0">
+            <a:latin typeface="+mj-lt"/>
+          </a:endParaRPr>
+        </a:p>
+      </dgm:t>
+    </dgm:pt>
+    <dgm:pt modelId="{97375FAE-0BD5-47A6-88D9-013A82721B31}" type="parTrans" cxnId="{C66B8CF4-85B2-4C44-B723-C6D2CD705B24}">
+      <dgm:prSet/>
+      <dgm:spPr/>
+      <dgm:t>
+        <a:bodyPr/>
+        <a:lstStyle/>
+        <a:p>
+          <a:endParaRPr lang="it-IT"/>
+        </a:p>
+      </dgm:t>
+    </dgm:pt>
+    <dgm:pt modelId="{00E4B57D-A68F-43AD-9BE4-9C9F28C28EA1}" type="sibTrans" cxnId="{C66B8CF4-85B2-4C44-B723-C6D2CD705B24}">
+      <dgm:prSet/>
+      <dgm:spPr/>
+      <dgm:t>
+        <a:bodyPr/>
+        <a:lstStyle/>
+        <a:p>
+          <a:endParaRPr lang="it-IT"/>
+        </a:p>
+      </dgm:t>
+    </dgm:pt>
+    <dgm:pt modelId="{9EE090E9-A54D-4356-BD11-146F3A4B23F0}">
+      <dgm:prSet phldrT="[Testo]" custT="1"/>
+      <dgm:spPr/>
+      <dgm:t>
+        <a:bodyPr/>
+        <a:lstStyle/>
+        <a:p>
+          <a:r>
+            <a:rPr lang="it-IT" sz="1600" b="0" dirty="0" err="1" smtClean="0">
+              <a:latin typeface="+mj-lt"/>
+            </a:rPr>
+            <a:t>Custom-Fork</a:t>
+          </a:r>
+          <a:endParaRPr lang="it-IT" sz="1600" b="0" dirty="0">
+            <a:latin typeface="+mj-lt"/>
+          </a:endParaRPr>
+        </a:p>
+      </dgm:t>
+    </dgm:pt>
+    <dgm:pt modelId="{2CA2680C-1CE1-4D50-9711-582AAFD540A6}" type="parTrans" cxnId="{5337602F-5178-45C3-8FEC-9E324EA1BC31}">
+      <dgm:prSet/>
+      <dgm:spPr/>
+      <dgm:t>
+        <a:bodyPr/>
+        <a:lstStyle/>
+        <a:p>
+          <a:endParaRPr lang="it-IT"/>
+        </a:p>
+      </dgm:t>
+    </dgm:pt>
+    <dgm:pt modelId="{9F6935E4-2016-463E-81C4-C6F42E327A82}" type="sibTrans" cxnId="{5337602F-5178-45C3-8FEC-9E324EA1BC31}">
+      <dgm:prSet/>
+      <dgm:spPr/>
+      <dgm:t>
+        <a:bodyPr/>
+        <a:lstStyle/>
+        <a:p>
+          <a:endParaRPr lang="it-IT"/>
+        </a:p>
+      </dgm:t>
+    </dgm:pt>
+    <dgm:pt modelId="{D97F7C69-F9F7-4C12-ADCB-8DD1AABCCB0A}">
+      <dgm:prSet phldrT="[Testo]" custT="1"/>
+      <dgm:spPr/>
+      <dgm:t>
+        <a:bodyPr/>
+        <a:lstStyle/>
+        <a:p>
+          <a:r>
+            <a:rPr lang="it-IT" sz="1600" b="0" dirty="0" smtClean="0">
+              <a:latin typeface="+mj-lt"/>
+            </a:rPr>
+            <a:t>Timer</a:t>
+          </a:r>
+          <a:endParaRPr lang="it-IT" sz="1600" b="0" dirty="0">
+            <a:latin typeface="+mj-lt"/>
+          </a:endParaRPr>
+        </a:p>
+      </dgm:t>
+    </dgm:pt>
+    <dgm:pt modelId="{476B52E4-6928-49B6-858B-14EE1626780C}" type="parTrans" cxnId="{C1C6169E-2448-47A1-94DF-B3B701A33743}">
+      <dgm:prSet/>
+      <dgm:spPr/>
+      <dgm:t>
+        <a:bodyPr/>
+        <a:lstStyle/>
+        <a:p>
+          <a:endParaRPr lang="it-IT"/>
+        </a:p>
+      </dgm:t>
+    </dgm:pt>
+    <dgm:pt modelId="{DB1A7E49-2F26-43ED-8DC4-FB0131EF555E}" type="sibTrans" cxnId="{C1C6169E-2448-47A1-94DF-B3B701A33743}">
+      <dgm:prSet/>
+      <dgm:spPr/>
+      <dgm:t>
+        <a:bodyPr/>
+        <a:lstStyle/>
+        <a:p>
+          <a:endParaRPr lang="it-IT"/>
+        </a:p>
+      </dgm:t>
+    </dgm:pt>
+    <dgm:pt modelId="{8442347F-0121-4CB2-AE25-67FFE9EF0D54}">
+      <dgm:prSet phldrT="[Testo]" custT="1"/>
+      <dgm:spPr/>
+      <dgm:t>
+        <a:bodyPr/>
+        <a:lstStyle/>
+        <a:p>
+          <a:r>
+            <a:rPr lang="it-IT" sz="1600" b="0" dirty="0" err="1" smtClean="0">
+              <a:latin typeface="+mj-lt"/>
+            </a:rPr>
+            <a:t>Decision</a:t>
+          </a:r>
+          <a:endParaRPr lang="it-IT" sz="1600" b="0" dirty="0">
+            <a:latin typeface="+mj-lt"/>
+          </a:endParaRPr>
+        </a:p>
+      </dgm:t>
+    </dgm:pt>
+    <dgm:pt modelId="{02718D0A-A7EE-40FC-B9B7-A76EC04FF009}" type="parTrans" cxnId="{322FFA42-2855-4099-B142-565D8E215B03}">
+      <dgm:prSet/>
+      <dgm:spPr/>
+      <dgm:t>
+        <a:bodyPr/>
+        <a:lstStyle/>
+        <a:p>
+          <a:endParaRPr lang="it-IT"/>
+        </a:p>
+      </dgm:t>
+    </dgm:pt>
+    <dgm:pt modelId="{059CA016-2750-4C40-AFCA-3375BF5FC72D}" type="sibTrans" cxnId="{322FFA42-2855-4099-B142-565D8E215B03}">
+      <dgm:prSet/>
+      <dgm:spPr/>
+      <dgm:t>
+        <a:bodyPr/>
+        <a:lstStyle/>
+        <a:p>
+          <a:endParaRPr lang="it-IT"/>
+        </a:p>
+      </dgm:t>
+    </dgm:pt>
+    <dgm:pt modelId="{B2579F6B-0827-4818-8FA9-3719B5600CC4}">
+      <dgm:prSet phldrT="[Testo]" custT="1"/>
+      <dgm:spPr/>
+      <dgm:t>
+        <a:bodyPr/>
+        <a:lstStyle/>
+        <a:p>
+          <a:r>
+            <a:rPr lang="it-IT" sz="1600" b="0" dirty="0" smtClean="0">
+              <a:latin typeface="+mj-lt"/>
+            </a:rPr>
+            <a:t>Task</a:t>
+          </a:r>
+          <a:endParaRPr lang="it-IT" sz="1600" b="0" dirty="0">
+            <a:latin typeface="+mj-lt"/>
+          </a:endParaRPr>
+        </a:p>
+      </dgm:t>
+    </dgm:pt>
+    <dgm:pt modelId="{6AAF3612-3881-44C1-9348-6793A0E7C742}" type="parTrans" cxnId="{26D4446E-D582-4463-8501-263B1031A835}">
+      <dgm:prSet/>
+      <dgm:spPr/>
+      <dgm:t>
+        <a:bodyPr/>
+        <a:lstStyle/>
+        <a:p>
+          <a:endParaRPr lang="it-IT"/>
+        </a:p>
+      </dgm:t>
+    </dgm:pt>
+    <dgm:pt modelId="{9A2E3CE7-4E17-4403-93FC-87A5E402CDC8}" type="sibTrans" cxnId="{26D4446E-D582-4463-8501-263B1031A835}">
+      <dgm:prSet/>
+      <dgm:spPr/>
+      <dgm:t>
+        <a:bodyPr/>
+        <a:lstStyle/>
+        <a:p>
+          <a:endParaRPr lang="it-IT"/>
+        </a:p>
+      </dgm:t>
+    </dgm:pt>
+    <dgm:pt modelId="{A45A6E69-804C-4699-8CF9-A87A97920364}">
+      <dgm:prSet phldrT="[Testo]" custT="1"/>
+      <dgm:spPr/>
+      <dgm:t>
+        <a:bodyPr/>
+        <a:lstStyle/>
+        <a:p>
+          <a:r>
+            <a:rPr lang="it-IT" sz="1600" b="0" dirty="0" smtClean="0">
+              <a:latin typeface="+mj-lt"/>
+            </a:rPr>
+            <a:t>Start</a:t>
+          </a:r>
+          <a:endParaRPr lang="it-IT" sz="1600" b="0" dirty="0">
+            <a:latin typeface="+mj-lt"/>
+          </a:endParaRPr>
+        </a:p>
+      </dgm:t>
+    </dgm:pt>
+    <dgm:pt modelId="{AF4C69E1-E5A0-41DC-B78E-D5A084468592}" type="parTrans" cxnId="{3AD4AD34-5681-4D6C-9D16-AE577845CD1F}">
+      <dgm:prSet/>
+      <dgm:spPr/>
+      <dgm:t>
+        <a:bodyPr/>
+        <a:lstStyle/>
+        <a:p>
+          <a:endParaRPr lang="it-IT"/>
+        </a:p>
+      </dgm:t>
+    </dgm:pt>
+    <dgm:pt modelId="{B73F9CB7-8326-4967-BEEA-D7B0992E63E9}" type="sibTrans" cxnId="{3AD4AD34-5681-4D6C-9D16-AE577845CD1F}">
+      <dgm:prSet/>
+      <dgm:spPr/>
+      <dgm:t>
+        <a:bodyPr/>
+        <a:lstStyle/>
+        <a:p>
+          <a:endParaRPr lang="it-IT"/>
+        </a:p>
+      </dgm:t>
+    </dgm:pt>
+    <dgm:pt modelId="{DC51BA57-34B3-4ABF-9FC1-FA2BF5A68D71}">
+      <dgm:prSet phldrT="[Testo]" custT="1"/>
+      <dgm:spPr/>
+      <dgm:t>
+        <a:bodyPr/>
+        <a:lstStyle/>
+        <a:p>
+          <a:r>
+            <a:rPr lang="it-IT" sz="1600" b="0" dirty="0" smtClean="0">
+              <a:latin typeface="+mj-lt"/>
+            </a:rPr>
+            <a:t>End</a:t>
+          </a:r>
+          <a:endParaRPr lang="it-IT" sz="1600" b="0" dirty="0">
+            <a:latin typeface="+mj-lt"/>
+          </a:endParaRPr>
+        </a:p>
+      </dgm:t>
+    </dgm:pt>
+    <dgm:pt modelId="{A9DD9683-D304-448D-8819-426434F7FC52}" type="parTrans" cxnId="{9B766D5B-F1EE-4EBC-B1D0-1165D6FEC4C8}">
+      <dgm:prSet/>
+      <dgm:spPr/>
+      <dgm:t>
+        <a:bodyPr/>
+        <a:lstStyle/>
+        <a:p>
+          <a:endParaRPr lang="it-IT"/>
+        </a:p>
+      </dgm:t>
+    </dgm:pt>
+    <dgm:pt modelId="{FBD00347-798D-419D-B0E1-CC9B41D8BE32}" type="sibTrans" cxnId="{9B766D5B-F1EE-4EBC-B1D0-1165D6FEC4C8}">
+      <dgm:prSet/>
+      <dgm:spPr/>
+      <dgm:t>
+        <a:bodyPr/>
+        <a:lstStyle/>
+        <a:p>
+          <a:endParaRPr lang="it-IT"/>
+        </a:p>
+      </dgm:t>
+    </dgm:pt>
+    <dgm:pt modelId="{2EEDC039-D20D-4A3E-866E-62DF5BE600D3}">
+      <dgm:prSet phldrT="[Testo]" custT="1"/>
+      <dgm:spPr/>
+      <dgm:t>
+        <a:bodyPr/>
+        <a:lstStyle/>
+        <a:p>
+          <a:r>
+            <a:rPr lang="it-IT" sz="1600" b="0" dirty="0" err="1" smtClean="0">
+              <a:latin typeface="+mj-lt"/>
+            </a:rPr>
+            <a:t>Fork</a:t>
+          </a:r>
+          <a:endParaRPr lang="it-IT" sz="1600" b="0" dirty="0">
+            <a:latin typeface="+mj-lt"/>
+          </a:endParaRPr>
+        </a:p>
+      </dgm:t>
+    </dgm:pt>
+    <dgm:pt modelId="{ED6236E6-96FE-4A75-86D4-D355E7B309D7}" type="parTrans" cxnId="{1206E8A2-9979-454F-9A5E-1AACF3CA2D05}">
+      <dgm:prSet/>
+      <dgm:spPr/>
+      <dgm:t>
+        <a:bodyPr/>
+        <a:lstStyle/>
+        <a:p>
+          <a:endParaRPr lang="it-IT"/>
+        </a:p>
+      </dgm:t>
+    </dgm:pt>
+    <dgm:pt modelId="{5EB3AC07-5244-4E2B-8515-649A3A0E53F3}" type="sibTrans" cxnId="{1206E8A2-9979-454F-9A5E-1AACF3CA2D05}">
+      <dgm:prSet/>
+      <dgm:spPr/>
+      <dgm:t>
+        <a:bodyPr/>
+        <a:lstStyle/>
+        <a:p>
+          <a:endParaRPr lang="it-IT"/>
+        </a:p>
+      </dgm:t>
+    </dgm:pt>
+    <dgm:pt modelId="{16C28A5F-9035-4F61-A1CC-393110E78D25}">
+      <dgm:prSet phldrT="[Testo]" custT="1"/>
+      <dgm:spPr/>
+      <dgm:t>
+        <a:bodyPr/>
+        <a:lstStyle/>
+        <a:p>
+          <a:r>
+            <a:rPr lang="it-IT" sz="1600" b="0" dirty="0" smtClean="0">
+              <a:latin typeface="+mj-lt"/>
+            </a:rPr>
+            <a:t>Join</a:t>
+          </a:r>
+          <a:endParaRPr lang="it-IT" sz="1600" b="0" dirty="0">
+            <a:latin typeface="+mj-lt"/>
+          </a:endParaRPr>
+        </a:p>
+      </dgm:t>
+    </dgm:pt>
+    <dgm:pt modelId="{C7E4F605-605F-4B03-9E40-9AA177EBE756}" type="parTrans" cxnId="{E52C5135-4D62-44ED-BF06-DC8CDBC9E222}">
+      <dgm:prSet/>
+      <dgm:spPr/>
+      <dgm:t>
+        <a:bodyPr/>
+        <a:lstStyle/>
+        <a:p>
+          <a:endParaRPr lang="it-IT"/>
+        </a:p>
+      </dgm:t>
+    </dgm:pt>
+    <dgm:pt modelId="{047A0FDF-D6AA-4635-A923-A9CE72292ADE}" type="sibTrans" cxnId="{E52C5135-4D62-44ED-BF06-DC8CDBC9E222}">
+      <dgm:prSet/>
+      <dgm:spPr/>
+      <dgm:t>
+        <a:bodyPr/>
+        <a:lstStyle/>
+        <a:p>
+          <a:endParaRPr lang="it-IT"/>
+        </a:p>
+      </dgm:t>
+    </dgm:pt>
+    <dgm:pt modelId="{CF6EFC85-AC10-4345-B705-5EE8154A08B4}">
+      <dgm:prSet phldrT="[Testo]" custT="1"/>
+      <dgm:spPr/>
+      <dgm:t>
+        <a:bodyPr/>
+        <a:lstStyle/>
+        <a:p>
+          <a:r>
+            <a:rPr lang="it-IT" sz="1600" b="0" dirty="0" err="1" smtClean="0">
+              <a:latin typeface="+mj-lt"/>
+            </a:rPr>
+            <a:t>Event</a:t>
+          </a:r>
+          <a:endParaRPr lang="it-IT" sz="1600" b="0" dirty="0">
+            <a:latin typeface="+mj-lt"/>
+          </a:endParaRPr>
+        </a:p>
+      </dgm:t>
+    </dgm:pt>
+    <dgm:pt modelId="{7944199C-2A9F-411B-97F8-C7329D6CDA17}" type="parTrans" cxnId="{FA4C204C-691D-465F-BD4F-025FA6426EE1}">
+      <dgm:prSet/>
+      <dgm:spPr/>
+      <dgm:t>
+        <a:bodyPr/>
+        <a:lstStyle/>
+        <a:p>
+          <a:endParaRPr lang="it-IT"/>
+        </a:p>
+      </dgm:t>
+    </dgm:pt>
+    <dgm:pt modelId="{855956E8-9500-444A-A481-F0CDB3A9DD67}" type="sibTrans" cxnId="{FA4C204C-691D-465F-BD4F-025FA6426EE1}">
+      <dgm:prSet/>
+      <dgm:spPr/>
+      <dgm:t>
+        <a:bodyPr/>
+        <a:lstStyle/>
+        <a:p>
+          <a:endParaRPr lang="it-IT"/>
+        </a:p>
+      </dgm:t>
+    </dgm:pt>
+    <dgm:pt modelId="{B9D437D2-146A-4243-87F0-BBEE561DF499}">
+      <dgm:prSet phldrT="[Testo]" custT="1"/>
+      <dgm:spPr/>
+      <dgm:t>
+        <a:bodyPr/>
+        <a:lstStyle/>
+        <a:p>
+          <a:r>
+            <a:rPr lang="it-IT" sz="1600" b="0" dirty="0" err="1" smtClean="0">
+              <a:latin typeface="+mj-lt"/>
+            </a:rPr>
+            <a:t>Handler</a:t>
+          </a:r>
+          <a:endParaRPr lang="it-IT" sz="1600" b="0" dirty="0">
+            <a:latin typeface="+mj-lt"/>
+          </a:endParaRPr>
+        </a:p>
+      </dgm:t>
+    </dgm:pt>
+    <dgm:pt modelId="{73D91784-F375-4789-A50D-BC04AC164CAB}" type="parTrans" cxnId="{9EE6052D-00F3-4E05-B8A2-DDA93EACBADE}">
+      <dgm:prSet/>
+      <dgm:spPr/>
+      <dgm:t>
+        <a:bodyPr/>
+        <a:lstStyle/>
+        <a:p>
+          <a:endParaRPr lang="it-IT"/>
+        </a:p>
+      </dgm:t>
+    </dgm:pt>
+    <dgm:pt modelId="{EA4B1683-80CE-4FD6-A04A-1309EE39909F}" type="sibTrans" cxnId="{9EE6052D-00F3-4E05-B8A2-DDA93EACBADE}">
+      <dgm:prSet/>
+      <dgm:spPr/>
+      <dgm:t>
+        <a:bodyPr/>
+        <a:lstStyle/>
+        <a:p>
+          <a:endParaRPr lang="it-IT"/>
+        </a:p>
+      </dgm:t>
+    </dgm:pt>
+    <dgm:pt modelId="{5B11E883-E02B-4BC1-B65A-07F06945375F}">
+      <dgm:prSet phldrT="[Testo]" custT="1"/>
+      <dgm:spPr/>
+      <dgm:t>
+        <a:bodyPr/>
+        <a:lstStyle/>
+        <a:p>
+          <a:r>
+            <a:rPr lang="it-IT" sz="1600" b="0" dirty="0" err="1" smtClean="0">
+              <a:latin typeface="+mj-lt"/>
+            </a:rPr>
+            <a:t>Priority</a:t>
+          </a:r>
+          <a:endParaRPr lang="it-IT" sz="1600" b="0" dirty="0">
+            <a:latin typeface="+mj-lt"/>
+          </a:endParaRPr>
+        </a:p>
+      </dgm:t>
+    </dgm:pt>
+    <dgm:pt modelId="{4C64EDF2-EA84-4FF1-A4B0-D465845826FF}" type="parTrans" cxnId="{FF9C96BE-843E-43AC-8F04-085F8BDADA2F}">
+      <dgm:prSet/>
+      <dgm:spPr/>
+      <dgm:t>
+        <a:bodyPr/>
+        <a:lstStyle/>
+        <a:p>
+          <a:endParaRPr lang="it-IT"/>
+        </a:p>
+      </dgm:t>
+    </dgm:pt>
+    <dgm:pt modelId="{04442FF2-E890-4B00-AE36-1F8CA466612B}" type="sibTrans" cxnId="{FF9C96BE-843E-43AC-8F04-085F8BDADA2F}">
+      <dgm:prSet/>
+      <dgm:spPr/>
+      <dgm:t>
+        <a:bodyPr/>
+        <a:lstStyle/>
+        <a:p>
+          <a:endParaRPr lang="it-IT"/>
+        </a:p>
+      </dgm:t>
+    </dgm:pt>
+    <dgm:pt modelId="{042DEC8F-7B16-4D9E-AA6D-AF6A199B34CD}" type="pres">
+      <dgm:prSet presAssocID="{5E96DB03-8F02-423E-A073-044D1AF71AC4}" presName="cycle" presStyleCnt="0">
+        <dgm:presLayoutVars>
+          <dgm:dir/>
+          <dgm:resizeHandles val="exact"/>
+        </dgm:presLayoutVars>
+      </dgm:prSet>
+      <dgm:spPr/>
+    </dgm:pt>
+    <dgm:pt modelId="{FCD8339A-E2ED-4BFE-AD40-A35496FBA1CA}" type="pres">
+      <dgm:prSet presAssocID="{BED42D6D-4112-4A6A-8E99-A90F5B956E64}" presName="node" presStyleLbl="node1" presStyleIdx="0" presStyleCnt="12" custScaleX="124712">
+        <dgm:presLayoutVars>
+          <dgm:bulletEnabled val="1"/>
+        </dgm:presLayoutVars>
+      </dgm:prSet>
+      <dgm:spPr/>
+    </dgm:pt>
+    <dgm:pt modelId="{12A934F8-6799-4ED4-8DEA-D25674656C14}" type="pres">
+      <dgm:prSet presAssocID="{BED42D6D-4112-4A6A-8E99-A90F5B956E64}" presName="spNode" presStyleCnt="0"/>
+      <dgm:spPr/>
+    </dgm:pt>
+    <dgm:pt modelId="{3E710445-445F-4289-8F1F-F8761638A472}" type="pres">
+      <dgm:prSet presAssocID="{00E4B57D-A68F-43AD-9BE4-9C9F28C28EA1}" presName="sibTrans" presStyleLbl="sibTrans1D1" presStyleIdx="0" presStyleCnt="12"/>
+      <dgm:spPr/>
+    </dgm:pt>
+    <dgm:pt modelId="{4FCBA577-6D83-403A-B83A-E79DC1D771B7}" type="pres">
+      <dgm:prSet presAssocID="{9EE090E9-A54D-4356-BD11-146F3A4B23F0}" presName="node" presStyleLbl="node1" presStyleIdx="1" presStyleCnt="12" custScaleX="124712">
+        <dgm:presLayoutVars>
+          <dgm:bulletEnabled val="1"/>
+        </dgm:presLayoutVars>
+      </dgm:prSet>
+      <dgm:spPr/>
+    </dgm:pt>
+    <dgm:pt modelId="{310C8E8B-CE11-471A-8AD9-4FE1B797E08B}" type="pres">
+      <dgm:prSet presAssocID="{9EE090E9-A54D-4356-BD11-146F3A4B23F0}" presName="spNode" presStyleCnt="0"/>
+      <dgm:spPr/>
+    </dgm:pt>
+    <dgm:pt modelId="{295CCBB2-F7F2-4AA0-A2FA-5D7612DD5E11}" type="pres">
+      <dgm:prSet presAssocID="{9F6935E4-2016-463E-81C4-C6F42E327A82}" presName="sibTrans" presStyleLbl="sibTrans1D1" presStyleIdx="1" presStyleCnt="12"/>
+      <dgm:spPr/>
+    </dgm:pt>
+    <dgm:pt modelId="{D01B412D-29BC-49B4-B122-A7ED0D3E03CF}" type="pres">
+      <dgm:prSet presAssocID="{D97F7C69-F9F7-4C12-ADCB-8DD1AABCCB0A}" presName="node" presStyleLbl="node1" presStyleIdx="2" presStyleCnt="12" custScaleX="124712">
+        <dgm:presLayoutVars>
+          <dgm:bulletEnabled val="1"/>
+        </dgm:presLayoutVars>
+      </dgm:prSet>
+      <dgm:spPr/>
+    </dgm:pt>
+    <dgm:pt modelId="{E51B2360-E43E-49D4-BD89-75065C3DAD4E}" type="pres">
+      <dgm:prSet presAssocID="{D97F7C69-F9F7-4C12-ADCB-8DD1AABCCB0A}" presName="spNode" presStyleCnt="0"/>
+      <dgm:spPr/>
+    </dgm:pt>
+    <dgm:pt modelId="{D4733A87-8B5F-4006-A71B-765E1CBEE1F8}" type="pres">
+      <dgm:prSet presAssocID="{DB1A7E49-2F26-43ED-8DC4-FB0131EF555E}" presName="sibTrans" presStyleLbl="sibTrans1D1" presStyleIdx="2" presStyleCnt="12"/>
+      <dgm:spPr/>
+    </dgm:pt>
+    <dgm:pt modelId="{9E9823E9-D50A-4C15-86AD-E8111BF21231}" type="pres">
+      <dgm:prSet presAssocID="{8442347F-0121-4CB2-AE25-67FFE9EF0D54}" presName="node" presStyleLbl="node1" presStyleIdx="3" presStyleCnt="12" custScaleX="124712">
+        <dgm:presLayoutVars>
+          <dgm:bulletEnabled val="1"/>
+        </dgm:presLayoutVars>
+      </dgm:prSet>
+      <dgm:spPr/>
+    </dgm:pt>
+    <dgm:pt modelId="{A3DECC3C-F38E-4E53-9D37-2CAFB68DB70B}" type="pres">
+      <dgm:prSet presAssocID="{8442347F-0121-4CB2-AE25-67FFE9EF0D54}" presName="spNode" presStyleCnt="0"/>
+      <dgm:spPr/>
+    </dgm:pt>
+    <dgm:pt modelId="{3087DE26-17BF-4C9C-9557-83AA40FC5C30}" type="pres">
+      <dgm:prSet presAssocID="{059CA016-2750-4C40-AFCA-3375BF5FC72D}" presName="sibTrans" presStyleLbl="sibTrans1D1" presStyleIdx="3" presStyleCnt="12"/>
+      <dgm:spPr/>
+    </dgm:pt>
+    <dgm:pt modelId="{91DDF85B-649E-4693-ABF5-1AB8650AA995}" type="pres">
+      <dgm:prSet presAssocID="{B2579F6B-0827-4818-8FA9-3719B5600CC4}" presName="node" presStyleLbl="node1" presStyleIdx="4" presStyleCnt="12" custScaleX="124712">
+        <dgm:presLayoutVars>
+          <dgm:bulletEnabled val="1"/>
+        </dgm:presLayoutVars>
+      </dgm:prSet>
+      <dgm:spPr/>
+    </dgm:pt>
+    <dgm:pt modelId="{06F37430-3DAD-4D4D-9FD3-6A858AD547C5}" type="pres">
+      <dgm:prSet presAssocID="{B2579F6B-0827-4818-8FA9-3719B5600CC4}" presName="spNode" presStyleCnt="0"/>
+      <dgm:spPr/>
+    </dgm:pt>
+    <dgm:pt modelId="{301EF661-6320-4745-BE3F-EAD7CF8979D7}" type="pres">
+      <dgm:prSet presAssocID="{9A2E3CE7-4E17-4403-93FC-87A5E402CDC8}" presName="sibTrans" presStyleLbl="sibTrans1D1" presStyleIdx="4" presStyleCnt="12"/>
+      <dgm:spPr/>
+    </dgm:pt>
+    <dgm:pt modelId="{57495470-E424-4453-A943-03DB399E413B}" type="pres">
+      <dgm:prSet presAssocID="{A45A6E69-804C-4699-8CF9-A87A97920364}" presName="node" presStyleLbl="node1" presStyleIdx="5" presStyleCnt="12" custScaleX="124712">
+        <dgm:presLayoutVars>
+          <dgm:bulletEnabled val="1"/>
+        </dgm:presLayoutVars>
+      </dgm:prSet>
+      <dgm:spPr/>
+    </dgm:pt>
+    <dgm:pt modelId="{1513179E-5D35-44D1-B448-C1E3555AB145}" type="pres">
+      <dgm:prSet presAssocID="{A45A6E69-804C-4699-8CF9-A87A97920364}" presName="spNode" presStyleCnt="0"/>
+      <dgm:spPr/>
+    </dgm:pt>
+    <dgm:pt modelId="{3C62933D-3B85-48F6-9669-F27C9690BD4C}" type="pres">
+      <dgm:prSet presAssocID="{B73F9CB7-8326-4967-BEEA-D7B0992E63E9}" presName="sibTrans" presStyleLbl="sibTrans1D1" presStyleIdx="5" presStyleCnt="12"/>
+      <dgm:spPr/>
+    </dgm:pt>
+    <dgm:pt modelId="{F5F65F3B-B404-4363-8528-E76EBBFA6A91}" type="pres">
+      <dgm:prSet presAssocID="{DC51BA57-34B3-4ABF-9FC1-FA2BF5A68D71}" presName="node" presStyleLbl="node1" presStyleIdx="6" presStyleCnt="12" custScaleX="124712">
+        <dgm:presLayoutVars>
+          <dgm:bulletEnabled val="1"/>
+        </dgm:presLayoutVars>
+      </dgm:prSet>
+      <dgm:spPr/>
+      <dgm:t>
+        <a:bodyPr/>
+        <a:lstStyle/>
+        <a:p>
+          <a:endParaRPr lang="it-IT"/>
+        </a:p>
+      </dgm:t>
+    </dgm:pt>
+    <dgm:pt modelId="{F345BC1C-9DCE-41DB-B2ED-75E8AB464F97}" type="pres">
+      <dgm:prSet presAssocID="{DC51BA57-34B3-4ABF-9FC1-FA2BF5A68D71}" presName="spNode" presStyleCnt="0"/>
+      <dgm:spPr/>
+    </dgm:pt>
+    <dgm:pt modelId="{014E188A-06D1-4A88-B1E8-6AAC82F3D2E2}" type="pres">
+      <dgm:prSet presAssocID="{FBD00347-798D-419D-B0E1-CC9B41D8BE32}" presName="sibTrans" presStyleLbl="sibTrans1D1" presStyleIdx="6" presStyleCnt="12"/>
+      <dgm:spPr/>
+    </dgm:pt>
+    <dgm:pt modelId="{C6946771-6300-4EF2-AB9F-0BD74FCDB241}" type="pres">
+      <dgm:prSet presAssocID="{2EEDC039-D20D-4A3E-866E-62DF5BE600D3}" presName="node" presStyleLbl="node1" presStyleIdx="7" presStyleCnt="12" custScaleX="124712">
+        <dgm:presLayoutVars>
+          <dgm:bulletEnabled val="1"/>
+        </dgm:presLayoutVars>
+      </dgm:prSet>
+      <dgm:spPr/>
+    </dgm:pt>
+    <dgm:pt modelId="{6E589AB3-06D1-4DDD-AF9F-73369CD0DAC3}" type="pres">
+      <dgm:prSet presAssocID="{2EEDC039-D20D-4A3E-866E-62DF5BE600D3}" presName="spNode" presStyleCnt="0"/>
+      <dgm:spPr/>
+    </dgm:pt>
+    <dgm:pt modelId="{7C73BA3C-7BC4-4F1C-A75E-65F0A837641B}" type="pres">
+      <dgm:prSet presAssocID="{5EB3AC07-5244-4E2B-8515-649A3A0E53F3}" presName="sibTrans" presStyleLbl="sibTrans1D1" presStyleIdx="7" presStyleCnt="12"/>
+      <dgm:spPr/>
+    </dgm:pt>
+    <dgm:pt modelId="{CFA335B5-93A2-48D7-8BC0-71179E34ED01}" type="pres">
+      <dgm:prSet presAssocID="{16C28A5F-9035-4F61-A1CC-393110E78D25}" presName="node" presStyleLbl="node1" presStyleIdx="8" presStyleCnt="12" custScaleX="124712">
+        <dgm:presLayoutVars>
+          <dgm:bulletEnabled val="1"/>
+        </dgm:presLayoutVars>
+      </dgm:prSet>
+      <dgm:spPr/>
+    </dgm:pt>
+    <dgm:pt modelId="{0AC0EFE2-DB87-4EA4-A890-B4AE63B2C185}" type="pres">
+      <dgm:prSet presAssocID="{16C28A5F-9035-4F61-A1CC-393110E78D25}" presName="spNode" presStyleCnt="0"/>
+      <dgm:spPr/>
+    </dgm:pt>
+    <dgm:pt modelId="{3B5BBD01-0ECD-4945-8B0B-C6378900BA6F}" type="pres">
+      <dgm:prSet presAssocID="{047A0FDF-D6AA-4635-A923-A9CE72292ADE}" presName="sibTrans" presStyleLbl="sibTrans1D1" presStyleIdx="8" presStyleCnt="12"/>
+      <dgm:spPr/>
+    </dgm:pt>
+    <dgm:pt modelId="{52D8DDD9-2456-4449-A961-7C04F24D3C41}" type="pres">
+      <dgm:prSet presAssocID="{CF6EFC85-AC10-4345-B705-5EE8154A08B4}" presName="node" presStyleLbl="node1" presStyleIdx="9" presStyleCnt="12" custScaleX="124712">
+        <dgm:presLayoutVars>
+          <dgm:bulletEnabled val="1"/>
+        </dgm:presLayoutVars>
+      </dgm:prSet>
+      <dgm:spPr/>
+    </dgm:pt>
+    <dgm:pt modelId="{A5809144-3069-41D5-B618-11AB40ECD63A}" type="pres">
+      <dgm:prSet presAssocID="{CF6EFC85-AC10-4345-B705-5EE8154A08B4}" presName="spNode" presStyleCnt="0"/>
+      <dgm:spPr/>
+    </dgm:pt>
+    <dgm:pt modelId="{EE416C0B-6D53-4544-9722-948A0C43945A}" type="pres">
+      <dgm:prSet presAssocID="{855956E8-9500-444A-A481-F0CDB3A9DD67}" presName="sibTrans" presStyleLbl="sibTrans1D1" presStyleIdx="9" presStyleCnt="12"/>
+      <dgm:spPr/>
+    </dgm:pt>
+    <dgm:pt modelId="{87E812F2-D955-42B0-8A88-3C38953D33D8}" type="pres">
+      <dgm:prSet presAssocID="{B9D437D2-146A-4243-87F0-BBEE561DF499}" presName="node" presStyleLbl="node1" presStyleIdx="10" presStyleCnt="12" custScaleX="124712">
+        <dgm:presLayoutVars>
+          <dgm:bulletEnabled val="1"/>
+        </dgm:presLayoutVars>
+      </dgm:prSet>
+      <dgm:spPr/>
+      <dgm:t>
+        <a:bodyPr/>
+        <a:lstStyle/>
+        <a:p>
+          <a:endParaRPr lang="it-IT"/>
+        </a:p>
+      </dgm:t>
+    </dgm:pt>
+    <dgm:pt modelId="{B6F8DB63-36CD-4CDE-A70E-AAD22E403CC5}" type="pres">
+      <dgm:prSet presAssocID="{B9D437D2-146A-4243-87F0-BBEE561DF499}" presName="spNode" presStyleCnt="0"/>
+      <dgm:spPr/>
+    </dgm:pt>
+    <dgm:pt modelId="{0ED08628-855A-4826-960C-93890891126F}" type="pres">
+      <dgm:prSet presAssocID="{EA4B1683-80CE-4FD6-A04A-1309EE39909F}" presName="sibTrans" presStyleLbl="sibTrans1D1" presStyleIdx="10" presStyleCnt="12"/>
+      <dgm:spPr/>
+    </dgm:pt>
+    <dgm:pt modelId="{CA199BC5-0F28-42FB-A0AF-C91FF59097EB}" type="pres">
+      <dgm:prSet presAssocID="{5B11E883-E02B-4BC1-B65A-07F06945375F}" presName="node" presStyleLbl="node1" presStyleIdx="11" presStyleCnt="12" custScaleX="124712">
+        <dgm:presLayoutVars>
+          <dgm:bulletEnabled val="1"/>
+        </dgm:presLayoutVars>
+      </dgm:prSet>
+      <dgm:spPr/>
+    </dgm:pt>
+    <dgm:pt modelId="{3FC3CDA1-D212-4BB0-B705-C17DB7D6F6EA}" type="pres">
+      <dgm:prSet presAssocID="{5B11E883-E02B-4BC1-B65A-07F06945375F}" presName="spNode" presStyleCnt="0"/>
+      <dgm:spPr/>
+    </dgm:pt>
+    <dgm:pt modelId="{0A9EBB40-43F2-4190-BDE7-E5B932B5DFC7}" type="pres">
+      <dgm:prSet presAssocID="{04442FF2-E890-4B00-AE36-1F8CA466612B}" presName="sibTrans" presStyleLbl="sibTrans1D1" presStyleIdx="11" presStyleCnt="12"/>
+      <dgm:spPr/>
+    </dgm:pt>
+  </dgm:ptLst>
+  <dgm:cxnLst>
+    <dgm:cxn modelId="{7EE95788-8F1D-4575-82F4-77C026D404D2}" type="presOf" srcId="{DB1A7E49-2F26-43ED-8DC4-FB0131EF555E}" destId="{D4733A87-8B5F-4006-A71B-765E1CBEE1F8}" srcOrd="0" destOrd="0" presId="urn:microsoft.com/office/officeart/2005/8/layout/cycle6"/>
+    <dgm:cxn modelId="{1206E8A2-9979-454F-9A5E-1AACF3CA2D05}" srcId="{5E96DB03-8F02-423E-A073-044D1AF71AC4}" destId="{2EEDC039-D20D-4A3E-866E-62DF5BE600D3}" srcOrd="7" destOrd="0" parTransId="{ED6236E6-96FE-4A75-86D4-D355E7B309D7}" sibTransId="{5EB3AC07-5244-4E2B-8515-649A3A0E53F3}"/>
+    <dgm:cxn modelId="{C97ECF0D-202B-4CDD-AA36-7ACC76935CBF}" type="presOf" srcId="{B73F9CB7-8326-4967-BEEA-D7B0992E63E9}" destId="{3C62933D-3B85-48F6-9669-F27C9690BD4C}" srcOrd="0" destOrd="0" presId="urn:microsoft.com/office/officeart/2005/8/layout/cycle6"/>
+    <dgm:cxn modelId="{9B766D5B-F1EE-4EBC-B1D0-1165D6FEC4C8}" srcId="{5E96DB03-8F02-423E-A073-044D1AF71AC4}" destId="{DC51BA57-34B3-4ABF-9FC1-FA2BF5A68D71}" srcOrd="6" destOrd="0" parTransId="{A9DD9683-D304-448D-8819-426434F7FC52}" sibTransId="{FBD00347-798D-419D-B0E1-CC9B41D8BE32}"/>
+    <dgm:cxn modelId="{FF9C96BE-843E-43AC-8F04-085F8BDADA2F}" srcId="{5E96DB03-8F02-423E-A073-044D1AF71AC4}" destId="{5B11E883-E02B-4BC1-B65A-07F06945375F}" srcOrd="11" destOrd="0" parTransId="{4C64EDF2-EA84-4FF1-A4B0-D465845826FF}" sibTransId="{04442FF2-E890-4B00-AE36-1F8CA466612B}"/>
+    <dgm:cxn modelId="{FDA13E1E-EB36-43D7-9AFD-08B141C0A910}" type="presOf" srcId="{5E96DB03-8F02-423E-A073-044D1AF71AC4}" destId="{042DEC8F-7B16-4D9E-AA6D-AF6A199B34CD}" srcOrd="0" destOrd="0" presId="urn:microsoft.com/office/officeart/2005/8/layout/cycle6"/>
+    <dgm:cxn modelId="{CE4AEC8B-BE7D-4D05-9CCE-E1DCEF11D090}" type="presOf" srcId="{FBD00347-798D-419D-B0E1-CC9B41D8BE32}" destId="{014E188A-06D1-4A88-B1E8-6AAC82F3D2E2}" srcOrd="0" destOrd="0" presId="urn:microsoft.com/office/officeart/2005/8/layout/cycle6"/>
+    <dgm:cxn modelId="{808A78BE-48BC-47E9-B3B9-117B166F289B}" type="presOf" srcId="{9F6935E4-2016-463E-81C4-C6F42E327A82}" destId="{295CCBB2-F7F2-4AA0-A2FA-5D7612DD5E11}" srcOrd="0" destOrd="0" presId="urn:microsoft.com/office/officeart/2005/8/layout/cycle6"/>
+    <dgm:cxn modelId="{744D0E7C-7DB6-4F1A-8E62-62A481BEE3FD}" type="presOf" srcId="{5B11E883-E02B-4BC1-B65A-07F06945375F}" destId="{CA199BC5-0F28-42FB-A0AF-C91FF59097EB}" srcOrd="0" destOrd="0" presId="urn:microsoft.com/office/officeart/2005/8/layout/cycle6"/>
+    <dgm:cxn modelId="{5337602F-5178-45C3-8FEC-9E324EA1BC31}" srcId="{5E96DB03-8F02-423E-A073-044D1AF71AC4}" destId="{9EE090E9-A54D-4356-BD11-146F3A4B23F0}" srcOrd="1" destOrd="0" parTransId="{2CA2680C-1CE1-4D50-9711-582AAFD540A6}" sibTransId="{9F6935E4-2016-463E-81C4-C6F42E327A82}"/>
+    <dgm:cxn modelId="{6800A506-BF35-41EC-B562-B21064D700D8}" type="presOf" srcId="{DC51BA57-34B3-4ABF-9FC1-FA2BF5A68D71}" destId="{F5F65F3B-B404-4363-8528-E76EBBFA6A91}" srcOrd="0" destOrd="0" presId="urn:microsoft.com/office/officeart/2005/8/layout/cycle6"/>
+    <dgm:cxn modelId="{0DF0D9DC-6DFE-426D-9AC7-960FB2D8C908}" type="presOf" srcId="{5EB3AC07-5244-4E2B-8515-649A3A0E53F3}" destId="{7C73BA3C-7BC4-4F1C-A75E-65F0A837641B}" srcOrd="0" destOrd="0" presId="urn:microsoft.com/office/officeart/2005/8/layout/cycle6"/>
+    <dgm:cxn modelId="{B51098DD-04C6-45CC-A6E4-5314EA41575C}" type="presOf" srcId="{B2579F6B-0827-4818-8FA9-3719B5600CC4}" destId="{91DDF85B-649E-4693-ABF5-1AB8650AA995}" srcOrd="0" destOrd="0" presId="urn:microsoft.com/office/officeart/2005/8/layout/cycle6"/>
+    <dgm:cxn modelId="{836DB902-C18F-4972-A544-BB591D00B0F4}" type="presOf" srcId="{855956E8-9500-444A-A481-F0CDB3A9DD67}" destId="{EE416C0B-6D53-4544-9722-948A0C43945A}" srcOrd="0" destOrd="0" presId="urn:microsoft.com/office/officeart/2005/8/layout/cycle6"/>
+    <dgm:cxn modelId="{95DEF25B-79A2-4653-80DD-9DC203E7A964}" type="presOf" srcId="{00E4B57D-A68F-43AD-9BE4-9C9F28C28EA1}" destId="{3E710445-445F-4289-8F1F-F8761638A472}" srcOrd="0" destOrd="0" presId="urn:microsoft.com/office/officeart/2005/8/layout/cycle6"/>
+    <dgm:cxn modelId="{2B898377-2471-414D-8403-6EAB95C9FA36}" type="presOf" srcId="{059CA016-2750-4C40-AFCA-3375BF5FC72D}" destId="{3087DE26-17BF-4C9C-9557-83AA40FC5C30}" srcOrd="0" destOrd="0" presId="urn:microsoft.com/office/officeart/2005/8/layout/cycle6"/>
+    <dgm:cxn modelId="{0CC0C0EE-BB11-4F49-8E1A-FF52EA8820FB}" type="presOf" srcId="{8442347F-0121-4CB2-AE25-67FFE9EF0D54}" destId="{9E9823E9-D50A-4C15-86AD-E8111BF21231}" srcOrd="0" destOrd="0" presId="urn:microsoft.com/office/officeart/2005/8/layout/cycle6"/>
+    <dgm:cxn modelId="{D1F60B89-8BEF-420F-9A32-259407BE20DB}" type="presOf" srcId="{04442FF2-E890-4B00-AE36-1F8CA466612B}" destId="{0A9EBB40-43F2-4190-BDE7-E5B932B5DFC7}" srcOrd="0" destOrd="0" presId="urn:microsoft.com/office/officeart/2005/8/layout/cycle6"/>
+    <dgm:cxn modelId="{8221D700-2573-48B0-BE40-8B0BC76BD51C}" type="presOf" srcId="{EA4B1683-80CE-4FD6-A04A-1309EE39909F}" destId="{0ED08628-855A-4826-960C-93890891126F}" srcOrd="0" destOrd="0" presId="urn:microsoft.com/office/officeart/2005/8/layout/cycle6"/>
+    <dgm:cxn modelId="{945C0BD6-A146-44E4-BCAC-43D55567A8E5}" type="presOf" srcId="{B9D437D2-146A-4243-87F0-BBEE561DF499}" destId="{87E812F2-D955-42B0-8A88-3C38953D33D8}" srcOrd="0" destOrd="0" presId="urn:microsoft.com/office/officeart/2005/8/layout/cycle6"/>
+    <dgm:cxn modelId="{C66B8CF4-85B2-4C44-B723-C6D2CD705B24}" srcId="{5E96DB03-8F02-423E-A073-044D1AF71AC4}" destId="{BED42D6D-4112-4A6A-8E99-A90F5B956E64}" srcOrd="0" destOrd="0" parTransId="{97375FAE-0BD5-47A6-88D9-013A82721B31}" sibTransId="{00E4B57D-A68F-43AD-9BE4-9C9F28C28EA1}"/>
+    <dgm:cxn modelId="{59A72B49-5E5B-47B1-93F4-4CA692D0F954}" type="presOf" srcId="{D97F7C69-F9F7-4C12-ADCB-8DD1AABCCB0A}" destId="{D01B412D-29BC-49B4-B122-A7ED0D3E03CF}" srcOrd="0" destOrd="0" presId="urn:microsoft.com/office/officeart/2005/8/layout/cycle6"/>
+    <dgm:cxn modelId="{E52C5135-4D62-44ED-BF06-DC8CDBC9E222}" srcId="{5E96DB03-8F02-423E-A073-044D1AF71AC4}" destId="{16C28A5F-9035-4F61-A1CC-393110E78D25}" srcOrd="8" destOrd="0" parTransId="{C7E4F605-605F-4B03-9E40-9AA177EBE756}" sibTransId="{047A0FDF-D6AA-4635-A923-A9CE72292ADE}"/>
+    <dgm:cxn modelId="{AA778729-69EE-4CC8-B618-9D53E35D0C0C}" type="presOf" srcId="{9EE090E9-A54D-4356-BD11-146F3A4B23F0}" destId="{4FCBA577-6D83-403A-B83A-E79DC1D771B7}" srcOrd="0" destOrd="0" presId="urn:microsoft.com/office/officeart/2005/8/layout/cycle6"/>
+    <dgm:cxn modelId="{FA4C204C-691D-465F-BD4F-025FA6426EE1}" srcId="{5E96DB03-8F02-423E-A073-044D1AF71AC4}" destId="{CF6EFC85-AC10-4345-B705-5EE8154A08B4}" srcOrd="9" destOrd="0" parTransId="{7944199C-2A9F-411B-97F8-C7329D6CDA17}" sibTransId="{855956E8-9500-444A-A481-F0CDB3A9DD67}"/>
+    <dgm:cxn modelId="{4E5F82AB-2504-4F67-9164-FE096DBDC6A9}" type="presOf" srcId="{047A0FDF-D6AA-4635-A923-A9CE72292ADE}" destId="{3B5BBD01-0ECD-4945-8B0B-C6378900BA6F}" srcOrd="0" destOrd="0" presId="urn:microsoft.com/office/officeart/2005/8/layout/cycle6"/>
+    <dgm:cxn modelId="{C24B3E26-013B-469B-ABA4-3A4B6A42262D}" type="presOf" srcId="{CF6EFC85-AC10-4345-B705-5EE8154A08B4}" destId="{52D8DDD9-2456-4449-A961-7C04F24D3C41}" srcOrd="0" destOrd="0" presId="urn:microsoft.com/office/officeart/2005/8/layout/cycle6"/>
+    <dgm:cxn modelId="{3AD4AD34-5681-4D6C-9D16-AE577845CD1F}" srcId="{5E96DB03-8F02-423E-A073-044D1AF71AC4}" destId="{A45A6E69-804C-4699-8CF9-A87A97920364}" srcOrd="5" destOrd="0" parTransId="{AF4C69E1-E5A0-41DC-B78E-D5A084468592}" sibTransId="{B73F9CB7-8326-4967-BEEA-D7B0992E63E9}"/>
+    <dgm:cxn modelId="{A010630F-FCC8-4967-B50B-207B301EAFBE}" type="presOf" srcId="{A45A6E69-804C-4699-8CF9-A87A97920364}" destId="{57495470-E424-4453-A943-03DB399E413B}" srcOrd="0" destOrd="0" presId="urn:microsoft.com/office/officeart/2005/8/layout/cycle6"/>
+    <dgm:cxn modelId="{26D4446E-D582-4463-8501-263B1031A835}" srcId="{5E96DB03-8F02-423E-A073-044D1AF71AC4}" destId="{B2579F6B-0827-4818-8FA9-3719B5600CC4}" srcOrd="4" destOrd="0" parTransId="{6AAF3612-3881-44C1-9348-6793A0E7C742}" sibTransId="{9A2E3CE7-4E17-4403-93FC-87A5E402CDC8}"/>
+    <dgm:cxn modelId="{9EE6052D-00F3-4E05-B8A2-DDA93EACBADE}" srcId="{5E96DB03-8F02-423E-A073-044D1AF71AC4}" destId="{B9D437D2-146A-4243-87F0-BBEE561DF499}" srcOrd="10" destOrd="0" parTransId="{73D91784-F375-4789-A50D-BC04AC164CAB}" sibTransId="{EA4B1683-80CE-4FD6-A04A-1309EE39909F}"/>
+    <dgm:cxn modelId="{C1C6169E-2448-47A1-94DF-B3B701A33743}" srcId="{5E96DB03-8F02-423E-A073-044D1AF71AC4}" destId="{D97F7C69-F9F7-4C12-ADCB-8DD1AABCCB0A}" srcOrd="2" destOrd="0" parTransId="{476B52E4-6928-49B6-858B-14EE1626780C}" sibTransId="{DB1A7E49-2F26-43ED-8DC4-FB0131EF555E}"/>
+    <dgm:cxn modelId="{322FFA42-2855-4099-B142-565D8E215B03}" srcId="{5E96DB03-8F02-423E-A073-044D1AF71AC4}" destId="{8442347F-0121-4CB2-AE25-67FFE9EF0D54}" srcOrd="3" destOrd="0" parTransId="{02718D0A-A7EE-40FC-B9B7-A76EC04FF009}" sibTransId="{059CA016-2750-4C40-AFCA-3375BF5FC72D}"/>
+    <dgm:cxn modelId="{0E078259-96F5-465E-90DF-F8831B83C4F8}" type="presOf" srcId="{BED42D6D-4112-4A6A-8E99-A90F5B956E64}" destId="{FCD8339A-E2ED-4BFE-AD40-A35496FBA1CA}" srcOrd="0" destOrd="0" presId="urn:microsoft.com/office/officeart/2005/8/layout/cycle6"/>
+    <dgm:cxn modelId="{4463BBCD-F66B-4D6E-A805-7D974C897DAB}" type="presOf" srcId="{9A2E3CE7-4E17-4403-93FC-87A5E402CDC8}" destId="{301EF661-6320-4745-BE3F-EAD7CF8979D7}" srcOrd="0" destOrd="0" presId="urn:microsoft.com/office/officeart/2005/8/layout/cycle6"/>
+    <dgm:cxn modelId="{0F5060E8-1944-40E0-BAE1-E9F91588ABFB}" type="presOf" srcId="{16C28A5F-9035-4F61-A1CC-393110E78D25}" destId="{CFA335B5-93A2-48D7-8BC0-71179E34ED01}" srcOrd="0" destOrd="0" presId="urn:microsoft.com/office/officeart/2005/8/layout/cycle6"/>
+    <dgm:cxn modelId="{E90114E5-63C9-4EEF-B264-D7551CCE7B1B}" type="presOf" srcId="{2EEDC039-D20D-4A3E-866E-62DF5BE600D3}" destId="{C6946771-6300-4EF2-AB9F-0BD74FCDB241}" srcOrd="0" destOrd="0" presId="urn:microsoft.com/office/officeart/2005/8/layout/cycle6"/>
+    <dgm:cxn modelId="{FE636223-03A4-49E4-B45D-96FAFB5C7B78}" type="presParOf" srcId="{042DEC8F-7B16-4D9E-AA6D-AF6A199B34CD}" destId="{FCD8339A-E2ED-4BFE-AD40-A35496FBA1CA}" srcOrd="0" destOrd="0" presId="urn:microsoft.com/office/officeart/2005/8/layout/cycle6"/>
+    <dgm:cxn modelId="{CE8831BC-8656-46D4-8653-B58FB6408898}" type="presParOf" srcId="{042DEC8F-7B16-4D9E-AA6D-AF6A199B34CD}" destId="{12A934F8-6799-4ED4-8DEA-D25674656C14}" srcOrd="1" destOrd="0" presId="urn:microsoft.com/office/officeart/2005/8/layout/cycle6"/>
+    <dgm:cxn modelId="{5BF7D48E-2635-4139-9B67-7B0767FACD91}" type="presParOf" srcId="{042DEC8F-7B16-4D9E-AA6D-AF6A199B34CD}" destId="{3E710445-445F-4289-8F1F-F8761638A472}" srcOrd="2" destOrd="0" presId="urn:microsoft.com/office/officeart/2005/8/layout/cycle6"/>
+    <dgm:cxn modelId="{62EFA68E-6371-4A00-8E6B-C6C46AF5F074}" type="presParOf" srcId="{042DEC8F-7B16-4D9E-AA6D-AF6A199B34CD}" destId="{4FCBA577-6D83-403A-B83A-E79DC1D771B7}" srcOrd="3" destOrd="0" presId="urn:microsoft.com/office/officeart/2005/8/layout/cycle6"/>
+    <dgm:cxn modelId="{A5F5D481-3CF9-4DDC-8F0C-BB39911BCE79}" type="presParOf" srcId="{042DEC8F-7B16-4D9E-AA6D-AF6A199B34CD}" destId="{310C8E8B-CE11-471A-8AD9-4FE1B797E08B}" srcOrd="4" destOrd="0" presId="urn:microsoft.com/office/officeart/2005/8/layout/cycle6"/>
+    <dgm:cxn modelId="{E6B5C28F-D74F-4E9E-9345-EFE185A46EF7}" type="presParOf" srcId="{042DEC8F-7B16-4D9E-AA6D-AF6A199B34CD}" destId="{295CCBB2-F7F2-4AA0-A2FA-5D7612DD5E11}" srcOrd="5" destOrd="0" presId="urn:microsoft.com/office/officeart/2005/8/layout/cycle6"/>
+    <dgm:cxn modelId="{D7371B56-C49F-413E-A6E5-5EDCCF9A2554}" type="presParOf" srcId="{042DEC8F-7B16-4D9E-AA6D-AF6A199B34CD}" destId="{D01B412D-29BC-49B4-B122-A7ED0D3E03CF}" srcOrd="6" destOrd="0" presId="urn:microsoft.com/office/officeart/2005/8/layout/cycle6"/>
+    <dgm:cxn modelId="{6B2A25A2-4D9E-4857-972D-082549C4571A}" type="presParOf" srcId="{042DEC8F-7B16-4D9E-AA6D-AF6A199B34CD}" destId="{E51B2360-E43E-49D4-BD89-75065C3DAD4E}" srcOrd="7" destOrd="0" presId="urn:microsoft.com/office/officeart/2005/8/layout/cycle6"/>
+    <dgm:cxn modelId="{948B8753-145F-4778-8576-2BC7BCF67582}" type="presParOf" srcId="{042DEC8F-7B16-4D9E-AA6D-AF6A199B34CD}" destId="{D4733A87-8B5F-4006-A71B-765E1CBEE1F8}" srcOrd="8" destOrd="0" presId="urn:microsoft.com/office/officeart/2005/8/layout/cycle6"/>
+    <dgm:cxn modelId="{357671B2-88A1-4851-9133-60350B675C33}" type="presParOf" srcId="{042DEC8F-7B16-4D9E-AA6D-AF6A199B34CD}" destId="{9E9823E9-D50A-4C15-86AD-E8111BF21231}" srcOrd="9" destOrd="0" presId="urn:microsoft.com/office/officeart/2005/8/layout/cycle6"/>
+    <dgm:cxn modelId="{24EE6BDC-EE0F-4750-B8AC-0E1072D218C5}" type="presParOf" srcId="{042DEC8F-7B16-4D9E-AA6D-AF6A199B34CD}" destId="{A3DECC3C-F38E-4E53-9D37-2CAFB68DB70B}" srcOrd="10" destOrd="0" presId="urn:microsoft.com/office/officeart/2005/8/layout/cycle6"/>
+    <dgm:cxn modelId="{642D19CE-53EC-4E95-A347-886E2AAC4835}" type="presParOf" srcId="{042DEC8F-7B16-4D9E-AA6D-AF6A199B34CD}" destId="{3087DE26-17BF-4C9C-9557-83AA40FC5C30}" srcOrd="11" destOrd="0" presId="urn:microsoft.com/office/officeart/2005/8/layout/cycle6"/>
+    <dgm:cxn modelId="{EAD5B947-A957-4567-A1D2-5DA1078EFD2E}" type="presParOf" srcId="{042DEC8F-7B16-4D9E-AA6D-AF6A199B34CD}" destId="{91DDF85B-649E-4693-ABF5-1AB8650AA995}" srcOrd="12" destOrd="0" presId="urn:microsoft.com/office/officeart/2005/8/layout/cycle6"/>
+    <dgm:cxn modelId="{51FAD043-4A1B-493D-A44C-AA6D3680D251}" type="presParOf" srcId="{042DEC8F-7B16-4D9E-AA6D-AF6A199B34CD}" destId="{06F37430-3DAD-4D4D-9FD3-6A858AD547C5}" srcOrd="13" destOrd="0" presId="urn:microsoft.com/office/officeart/2005/8/layout/cycle6"/>
+    <dgm:cxn modelId="{9549E2FE-7910-4815-B4B7-F2E017542430}" type="presParOf" srcId="{042DEC8F-7B16-4D9E-AA6D-AF6A199B34CD}" destId="{301EF661-6320-4745-BE3F-EAD7CF8979D7}" srcOrd="14" destOrd="0" presId="urn:microsoft.com/office/officeart/2005/8/layout/cycle6"/>
+    <dgm:cxn modelId="{35579BA5-D851-49E3-BE74-C8B71C098071}" type="presParOf" srcId="{042DEC8F-7B16-4D9E-AA6D-AF6A199B34CD}" destId="{57495470-E424-4453-A943-03DB399E413B}" srcOrd="15" destOrd="0" presId="urn:microsoft.com/office/officeart/2005/8/layout/cycle6"/>
+    <dgm:cxn modelId="{74B8D5CE-D110-4A4D-A69A-C0B6C49BDEC4}" type="presParOf" srcId="{042DEC8F-7B16-4D9E-AA6D-AF6A199B34CD}" destId="{1513179E-5D35-44D1-B448-C1E3555AB145}" srcOrd="16" destOrd="0" presId="urn:microsoft.com/office/officeart/2005/8/layout/cycle6"/>
+    <dgm:cxn modelId="{39F7169B-C2FF-47DF-9352-62C8D05C4A94}" type="presParOf" srcId="{042DEC8F-7B16-4D9E-AA6D-AF6A199B34CD}" destId="{3C62933D-3B85-48F6-9669-F27C9690BD4C}" srcOrd="17" destOrd="0" presId="urn:microsoft.com/office/officeart/2005/8/layout/cycle6"/>
+    <dgm:cxn modelId="{291FD800-9F63-4414-B5D3-36FC57143A1E}" type="presParOf" srcId="{042DEC8F-7B16-4D9E-AA6D-AF6A199B34CD}" destId="{F5F65F3B-B404-4363-8528-E76EBBFA6A91}" srcOrd="18" destOrd="0" presId="urn:microsoft.com/office/officeart/2005/8/layout/cycle6"/>
+    <dgm:cxn modelId="{94D7C2A5-B24D-4433-8455-10857D52B2BF}" type="presParOf" srcId="{042DEC8F-7B16-4D9E-AA6D-AF6A199B34CD}" destId="{F345BC1C-9DCE-41DB-B2ED-75E8AB464F97}" srcOrd="19" destOrd="0" presId="urn:microsoft.com/office/officeart/2005/8/layout/cycle6"/>
+    <dgm:cxn modelId="{120F9C2F-FDB1-4DA0-ACE6-AEC477678F2E}" type="presParOf" srcId="{042DEC8F-7B16-4D9E-AA6D-AF6A199B34CD}" destId="{014E188A-06D1-4A88-B1E8-6AAC82F3D2E2}" srcOrd="20" destOrd="0" presId="urn:microsoft.com/office/officeart/2005/8/layout/cycle6"/>
+    <dgm:cxn modelId="{512BC1FB-8665-467D-AC8E-0A64E36DE6DF}" type="presParOf" srcId="{042DEC8F-7B16-4D9E-AA6D-AF6A199B34CD}" destId="{C6946771-6300-4EF2-AB9F-0BD74FCDB241}" srcOrd="21" destOrd="0" presId="urn:microsoft.com/office/officeart/2005/8/layout/cycle6"/>
+    <dgm:cxn modelId="{E357530C-8F2C-40CB-874F-98B9D6E094DC}" type="presParOf" srcId="{042DEC8F-7B16-4D9E-AA6D-AF6A199B34CD}" destId="{6E589AB3-06D1-4DDD-AF9F-73369CD0DAC3}" srcOrd="22" destOrd="0" presId="urn:microsoft.com/office/officeart/2005/8/layout/cycle6"/>
+    <dgm:cxn modelId="{0966E173-888B-4CCB-96DF-E51388E202C8}" type="presParOf" srcId="{042DEC8F-7B16-4D9E-AA6D-AF6A199B34CD}" destId="{7C73BA3C-7BC4-4F1C-A75E-65F0A837641B}" srcOrd="23" destOrd="0" presId="urn:microsoft.com/office/officeart/2005/8/layout/cycle6"/>
+    <dgm:cxn modelId="{29EB9552-438D-4F20-A64A-DDE301BF8227}" type="presParOf" srcId="{042DEC8F-7B16-4D9E-AA6D-AF6A199B34CD}" destId="{CFA335B5-93A2-48D7-8BC0-71179E34ED01}" srcOrd="24" destOrd="0" presId="urn:microsoft.com/office/officeart/2005/8/layout/cycle6"/>
+    <dgm:cxn modelId="{FCE6B31F-1BC3-4081-A950-5A14FDD2E820}" type="presParOf" srcId="{042DEC8F-7B16-4D9E-AA6D-AF6A199B34CD}" destId="{0AC0EFE2-DB87-4EA4-A890-B4AE63B2C185}" srcOrd="25" destOrd="0" presId="urn:microsoft.com/office/officeart/2005/8/layout/cycle6"/>
+    <dgm:cxn modelId="{68221998-08D6-430C-ADAC-C6D24DBA1B81}" type="presParOf" srcId="{042DEC8F-7B16-4D9E-AA6D-AF6A199B34CD}" destId="{3B5BBD01-0ECD-4945-8B0B-C6378900BA6F}" srcOrd="26" destOrd="0" presId="urn:microsoft.com/office/officeart/2005/8/layout/cycle6"/>
+    <dgm:cxn modelId="{7D0177A1-343F-4AB7-A36C-07E498B725F0}" type="presParOf" srcId="{042DEC8F-7B16-4D9E-AA6D-AF6A199B34CD}" destId="{52D8DDD9-2456-4449-A961-7C04F24D3C41}" srcOrd="27" destOrd="0" presId="urn:microsoft.com/office/officeart/2005/8/layout/cycle6"/>
+    <dgm:cxn modelId="{59C4AC67-737F-41E6-B613-ED11FFFA6A39}" type="presParOf" srcId="{042DEC8F-7B16-4D9E-AA6D-AF6A199B34CD}" destId="{A5809144-3069-41D5-B618-11AB40ECD63A}" srcOrd="28" destOrd="0" presId="urn:microsoft.com/office/officeart/2005/8/layout/cycle6"/>
+    <dgm:cxn modelId="{FBB301CF-2D5E-417D-A357-8065E88E758B}" type="presParOf" srcId="{042DEC8F-7B16-4D9E-AA6D-AF6A199B34CD}" destId="{EE416C0B-6D53-4544-9722-948A0C43945A}" srcOrd="29" destOrd="0" presId="urn:microsoft.com/office/officeart/2005/8/layout/cycle6"/>
+    <dgm:cxn modelId="{F5F98AE2-94DF-4355-9735-BAE0677CE114}" type="presParOf" srcId="{042DEC8F-7B16-4D9E-AA6D-AF6A199B34CD}" destId="{87E812F2-D955-42B0-8A88-3C38953D33D8}" srcOrd="30" destOrd="0" presId="urn:microsoft.com/office/officeart/2005/8/layout/cycle6"/>
+    <dgm:cxn modelId="{ADFC672B-6060-446F-8489-7D849E7501CF}" type="presParOf" srcId="{042DEC8F-7B16-4D9E-AA6D-AF6A199B34CD}" destId="{B6F8DB63-36CD-4CDE-A70E-AAD22E403CC5}" srcOrd="31" destOrd="0" presId="urn:microsoft.com/office/officeart/2005/8/layout/cycle6"/>
+    <dgm:cxn modelId="{7A1CFDFC-BF5B-44CE-BE81-121FE2B61DA3}" type="presParOf" srcId="{042DEC8F-7B16-4D9E-AA6D-AF6A199B34CD}" destId="{0ED08628-855A-4826-960C-93890891126F}" srcOrd="32" destOrd="0" presId="urn:microsoft.com/office/officeart/2005/8/layout/cycle6"/>
+    <dgm:cxn modelId="{D075B7A0-4733-48B0-A351-289A682E0CC9}" type="presParOf" srcId="{042DEC8F-7B16-4D9E-AA6D-AF6A199B34CD}" destId="{CA199BC5-0F28-42FB-A0AF-C91FF59097EB}" srcOrd="33" destOrd="0" presId="urn:microsoft.com/office/officeart/2005/8/layout/cycle6"/>
+    <dgm:cxn modelId="{8582D4D3-1445-4217-8D92-9B0322F0AAAB}" type="presParOf" srcId="{042DEC8F-7B16-4D9E-AA6D-AF6A199B34CD}" destId="{3FC3CDA1-D212-4BB0-B705-C17DB7D6F6EA}" srcOrd="34" destOrd="0" presId="urn:microsoft.com/office/officeart/2005/8/layout/cycle6"/>
+    <dgm:cxn modelId="{EBC4F213-71E6-4FC0-BCC9-970C49007761}" type="presParOf" srcId="{042DEC8F-7B16-4D9E-AA6D-AF6A199B34CD}" destId="{0A9EBB40-43F2-4190-BDE7-E5B932B5DFC7}" srcOrd="35" destOrd="0" presId="urn:microsoft.com/office/officeart/2005/8/layout/cycle6"/>
+  </dgm:cxnLst>
+  <dgm:bg/>
+  <dgm:whole/>
+</dgm:dataModel>
+</file>
+
+<file path=ppt/diagrams/layout1.xml><?xml version="1.0" encoding="utf-8"?>
+<dgm:layoutDef xmlns:dgm="http://schemas.openxmlformats.org/drawingml/2006/diagram" xmlns:a="http://schemas.openxmlformats.org/drawingml/2006/main" uniqueId="urn:microsoft.com/office/officeart/2005/8/layout/cycle6">
+  <dgm:title val=""/>
+  <dgm:desc val=""/>
+  <dgm:catLst>
+    <dgm:cat type="cycle" pri="4000"/>
+    <dgm:cat type="relationship" pri="24000"/>
+  </dgm:catLst>
+  <dgm:sampData>
+    <dgm:dataModel>
+      <dgm:ptLst>
+        <dgm:pt modelId="0" type="doc"/>
+        <dgm:pt modelId="1">
+          <dgm:prSet phldr="1"/>
+        </dgm:pt>
+        <dgm:pt modelId="2">
+          <dgm:prSet phldr="1"/>
+        </dgm:pt>
+        <dgm:pt modelId="3">
+          <dgm:prSet phldr="1"/>
+        </dgm:pt>
+        <dgm:pt modelId="4">
+          <dgm:prSet phldr="1"/>
+        </dgm:pt>
+        <dgm:pt modelId="5">
+          <dgm:prSet phldr="1"/>
+        </dgm:pt>
+      </dgm:ptLst>
+      <dgm:cxnLst>
+        <dgm:cxn modelId="6" srcId="0" destId="1" srcOrd="0" destOrd="0"/>
+        <dgm:cxn modelId="7" srcId="0" destId="2" srcOrd="1" destOrd="0"/>
+        <dgm:cxn modelId="8" srcId="0" destId="3" srcOrd="2" destOrd="0"/>
+        <dgm:cxn modelId="9" srcId="0" destId="4" srcOrd="3" destOrd="0"/>
+        <dgm:cxn modelId="10" srcId="0" destId="5" srcOrd="4" destOrd="0"/>
+      </dgm:cxnLst>
+      <dgm:bg/>
+      <dgm:whole/>
+    </dgm:dataModel>
+  </dgm:sampData>
+  <dgm:styleData>
+    <dgm:dataModel>
+      <dgm:ptLst>
+        <dgm:pt modelId="0" type="doc"/>
+        <dgm:pt modelId="1"/>
+        <dgm:pt modelId="2"/>
+        <dgm:pt modelId="3"/>
+      </dgm:ptLst>
+      <dgm:cxnLst>
+        <dgm:cxn modelId="4" srcId="0" destId="1" srcOrd="0" destOrd="0"/>
+        <dgm:cxn modelId="5" srcId="0" destId="2" srcOrd="1" destOrd="0"/>
+        <dgm:cxn modelId="6" srcId="0" destId="3" srcOrd="2" destOrd="0"/>
+      </dgm:cxnLst>
+      <dgm:bg/>
+      <dgm:whole/>
+    </dgm:dataModel>
+  </dgm:styleData>
+  <dgm:clrData>
+    <dgm:dataModel>
+      <dgm:ptLst>
+        <dgm:pt modelId="0" type="doc"/>
+        <dgm:pt modelId="1"/>
+        <dgm:pt modelId="2"/>
+        <dgm:pt modelId="3"/>
+        <dgm:pt modelId="4"/>
+        <dgm:pt modelId="5"/>
+        <dgm:pt modelId="6"/>
+      </dgm:ptLst>
+      <dgm:cxnLst>
+        <dgm:cxn modelId="7" srcId="0" destId="1" srcOrd="0" destOrd="0"/>
+        <dgm:cxn modelId="8" srcId="0" destId="2" srcOrd="1" destOrd="0"/>
+        <dgm:cxn modelId="9" srcId="0" destId="3" srcOrd="2" destOrd="0"/>
+        <dgm:cxn modelId="10" srcId="0" destId="4" srcOrd="3" destOrd="0"/>
+        <dgm:cxn modelId="11" srcId="0" destId="5" srcOrd="4" destOrd="0"/>
+        <dgm:cxn modelId="12" srcId="0" destId="6" srcOrd="5" destOrd="0"/>
+      </dgm:cxnLst>
+      <dgm:bg/>
+      <dgm:whole/>
+    </dgm:dataModel>
+  </dgm:clrData>
+  <dgm:layoutNode name="cycle">
+    <dgm:varLst>
+      <dgm:dir/>
+      <dgm:resizeHandles val="exact"/>
+    </dgm:varLst>
+    <dgm:choose name="Name0">
+      <dgm:if name="Name1" func="var" arg="dir" op="equ" val="norm">
+        <dgm:choose name="Name2">
+          <dgm:if name="Name3" axis="ch" ptType="node" func="cnt" op="gt" val="2">
+            <dgm:alg type="cycle">
+              <dgm:param type="stAng" val="0"/>
+              <dgm:param type="spanAng" val="360"/>
+            </dgm:alg>
+          </dgm:if>
+          <dgm:else name="Name4">
+            <dgm:alg type="cycle">
+              <dgm:param type="stAng" val="-90"/>
+              <dgm:param type="spanAng" val="360"/>
+            </dgm:alg>
+          </dgm:else>
+        </dgm:choose>
+      </dgm:if>
+      <dgm:else name="Name5">
+        <dgm:choose name="Name6">
+          <dgm:if name="Name7" axis="ch" ptType="node" func="cnt" op="gt" val="2">
+            <dgm:alg type="cycle">
+              <dgm:param type="stAng" val="0"/>
+              <dgm:param type="spanAng" val="-360"/>
+            </dgm:alg>
+          </dgm:if>
+          <dgm:else name="Name8">
+            <dgm:alg type="cycle">
+              <dgm:param type="stAng" val="90"/>
+              <dgm:param type="spanAng" val="-360"/>
+            </dgm:alg>
+          </dgm:else>
+        </dgm:choose>
+      </dgm:else>
+    </dgm:choose>
+    <dgm:shape xmlns:r="http://schemas.openxmlformats.org/officeDocument/2006/relationships" r:blip="">
+      <dgm:adjLst/>
+    </dgm:shape>
+    <dgm:presOf/>
+    <dgm:choose name="Name9">
+      <dgm:if name="Name10" func="var" arg="dir" op="equ" val="norm">
+        <dgm:constrLst>
+          <dgm:constr type="w" for="ch" forName="node" refType="w"/>
+          <dgm:constr type="w" for="ch" ptType="sibTrans" refType="w" refFor="ch" refForName="node" op="equ" fact="0.3"/>
+          <dgm:constr type="diam" for="ch" ptType="sibTrans" refType="diam" op="equ"/>
+          <dgm:constr type="sibSp" refType="w" refFor="ch" refForName="node" op="equ" fact="0.15"/>
+          <dgm:constr type="w" for="ch" forName="spNode" refType="sibSp" fact="1.6"/>
+          <dgm:constr type="primFontSz" for="ch" forName="node" op="equ" val="65"/>
+        </dgm:constrLst>
+      </dgm:if>
+      <dgm:else name="Name11">
+        <dgm:constrLst>
+          <dgm:constr type="w" for="ch" forName="node" refType="w"/>
+          <dgm:constr type="w" for="ch" ptType="sibTrans" refType="w" refFor="ch" refForName="node" op="equ" fact="0.3"/>
+          <dgm:constr type="diam" for="ch" ptType="sibTrans" refType="diam" op="equ" fact="-1"/>
+          <dgm:constr type="sibSp" refType="w" refFor="ch" refForName="node" op="equ" fact="0.15"/>
+          <dgm:constr type="w" for="ch" forName="spNode" refType="sibSp" fact="1.6"/>
+          <dgm:constr type="primFontSz" for="ch" forName="node" op="equ" val="65"/>
+        </dgm:constrLst>
+      </dgm:else>
+    </dgm:choose>
+    <dgm:ruleLst/>
+    <dgm:forEach name="Name12" axis="ch" ptType="node">
+      <dgm:layoutNode name="node">
+        <dgm:varLst>
+          <dgm:bulletEnabled val="1"/>
+        </dgm:varLst>
+        <dgm:alg type="tx"/>
+        <dgm:shape xmlns:r="http://schemas.openxmlformats.org/officeDocument/2006/relationships" type="roundRect" r:blip="">
+          <dgm:adjLst/>
+        </dgm:shape>
+        <dgm:presOf axis="desOrSelf" ptType="node"/>
+        <dgm:constrLst>
+          <dgm:constr type="h" refType="w" fact="0.65"/>
+          <dgm:constr type="tMarg" refType="primFontSz" fact="0.3"/>
+          <dgm:constr type="bMarg" refType="primFontSz" fact="0.3"/>
+          <dgm:constr type="lMarg" refType="primFontSz" fact="0.3"/>
+          <dgm:constr type="rMarg" refType="primFontSz" fact="0.3"/>
+        </dgm:constrLst>
+        <dgm:ruleLst>
+          <dgm:rule type="primFontSz" val="5" fact="NaN" max="NaN"/>
+        </dgm:ruleLst>
+      </dgm:layoutNode>
+      <dgm:choose name="Name13">
+        <dgm:if name="Name14" axis="par ch" ptType="doc node" func="cnt" op="gt" val="1">
+          <dgm:layoutNode name="spNode">
+            <dgm:alg type="sp"/>
+            <dgm:shape xmlns:r="http://schemas.openxmlformats.org/officeDocument/2006/relationships" r:blip="">
+              <dgm:adjLst/>
+            </dgm:shape>
+            <dgm:presOf/>
+            <dgm:constrLst>
+              <dgm:constr type="h" refType="w"/>
+            </dgm:constrLst>
+            <dgm:ruleLst/>
+          </dgm:layoutNode>
+          <dgm:forEach name="Name15" axis="followSib" ptType="sibTrans" hideLastTrans="0" cnt="1">
+            <dgm:layoutNode name="sibTrans">
+              <dgm:alg type="conn">
+                <dgm:param type="dim" val="1D"/>
+                <dgm:param type="connRout" val="curve"/>
+                <dgm:param type="begPts" val="radial"/>
+                <dgm:param type="endPts" val="radial"/>
+                <dgm:param type="endSty" val="noArr"/>
+              </dgm:alg>
+              <dgm:shape xmlns:r="http://schemas.openxmlformats.org/officeDocument/2006/relationships" type="conn" r:blip="">
+                <dgm:adjLst/>
+              </dgm:shape>
+              <dgm:presOf axis="self"/>
+              <dgm:constrLst>
+                <dgm:constr type="h" refType="w" fact="0.65"/>
+                <dgm:constr type="connDist"/>
+                <dgm:constr type="begPad" refType="connDist" fact="0.01"/>
+                <dgm:constr type="endPad" refType="connDist" fact="0.01"/>
+              </dgm:constrLst>
+              <dgm:ruleLst/>
+            </dgm:layoutNode>
+          </dgm:forEach>
+        </dgm:if>
+        <dgm:else name="Name16"/>
+      </dgm:choose>
+    </dgm:forEach>
+  </dgm:layoutNode>
+</dgm:layoutDef>
+</file>
+
+<file path=ppt/diagrams/quickStyle1.xml><?xml version="1.0" encoding="utf-8"?>
+<dgm:styleDef xmlns:dgm="http://schemas.openxmlformats.org/drawingml/2006/diagram" xmlns:a="http://schemas.openxmlformats.org/drawingml/2006/main" uniqueId="urn:microsoft.com/office/officeart/2005/8/quickstyle/simple3">
+  <dgm:title val=""/>
+  <dgm:desc val=""/>
+  <dgm:catLst>
+    <dgm:cat type="simple" pri="10300"/>
+  </dgm:catLst>
+  <dgm:scene3d>
+    <a:camera prst="orthographicFront"/>
+    <a:lightRig rig="threePt" dir="t"/>
+  </dgm:scene3d>
+  <dgm:styleLbl name="node0">
+    <dgm:scene3d>
+      <a:camera prst="orthographicFront"/>
+      <a:lightRig rig="flat" dir="t"/>
+    </dgm:scene3d>
+    <dgm:sp3d prstMaterial="dkEdge">
+      <a:bevelT w="8200" h="38100"/>
+    </dgm:sp3d>
+    <dgm:txPr/>
+    <dgm:style>
+      <a:lnRef idx="0">
+        <a:scrgbClr r="0" g="0" b="0"/>
+      </a:lnRef>
+      <a:fillRef idx="2">
+        <a:scrgbClr r="0" g="0" b="0"/>
+      </a:fillRef>
+      <a:effectRef idx="1">
+        <a:scrgbClr r="0" g="0" b="0"/>
+      </a:effectRef>
+      <a:fontRef idx="minor">
+        <a:schemeClr val="dk1"/>
+      </a:fontRef>
+    </dgm:style>
+  </dgm:styleLbl>
+  <dgm:styleLbl name="lnNode1">
+    <dgm:scene3d>
+      <a:camera prst="orthographicFront"/>
+      <a:lightRig rig="flat" dir="t"/>
+    </dgm:scene3d>
+    <dgm:sp3d prstMaterial="dkEdge">
+      <a:bevelT w="8200" h="38100"/>
+    </dgm:sp3d>
+    <dgm:txPr/>
+    <dgm:style>
+      <a:lnRef idx="1">
+        <a:scrgbClr r="0" g="0" b="0"/>
+      </a:lnRef>
+      <a:fillRef idx="2">
+        <a:scrgbClr r="0" g="0" b="0"/>
+      </a:fillRef>
+      <a:effectRef idx="0">
+        <a:scrgbClr r="0" g="0" b="0"/>
+      </a:effectRef>
+      <a:fontRef idx="minor">
+        <a:schemeClr val="dk1"/>
+      </a:fontRef>
+    </dgm:style>
+  </dgm:styleLbl>
+  <dgm:styleLbl name="vennNode1">
+    <dgm:scene3d>
+      <a:camera prst="orthographicFront"/>
+      <a:lightRig rig="flat" dir="t"/>
+    </dgm:scene3d>
+    <dgm:sp3d prstMaterial="dkEdge">
+      <a:bevelT w="8200" h="38100"/>
+    </dgm:sp3d>
+    <dgm:txPr/>
+    <dgm:style>
+      <a:lnRef idx="0">
+        <a:scrgbClr r="0" g="0" b="0"/>
+      </a:lnRef>
+      <a:fillRef idx="2">
+        <a:scrgbClr r="0" g="0" b="0"/>
+      </a:fillRef>
+      <a:effectRef idx="0">
+        <a:scrgbClr r="0" g="0" b="0"/>
+      </a:effectRef>
+      <a:fontRef idx="minor">
+        <a:schemeClr val="tx1"/>
+      </a:fontRef>
+    </dgm:style>
+  </dgm:styleLbl>
+  <dgm:styleLbl name="alignNode1">
+    <dgm:scene3d>
+      <a:camera prst="orthographicFront"/>
+      <a:lightRig rig="threePt" dir="t"/>
+    </dgm:scene3d>
+    <dgm:sp3d/>
+    <dgm:txPr/>
+    <dgm:style>
+      <a:lnRef idx="1">
+        <a:scrgbClr r="0" g="0" b="0"/>
+      </a:lnRef>
+      <a:fillRef idx="2">
+        <a:scrgbClr r="0" g="0" b="0"/>
+      </a:fillRef>
+      <a:effectRef idx="1">
+        <a:scrgbClr r="0" g="0" b="0"/>
+      </a:effectRef>
+      <a:fontRef idx="minor">
+        <a:schemeClr val="dk1"/>
+      </a:fontRef>
+    </dgm:style>
+  </dgm:styleLbl>
+  <dgm:styleLbl name="node1">
+    <dgm:scene3d>
+      <a:camera prst="orthographicFront"/>
+      <a:lightRig rig="flat" dir="t"/>
+    </dgm:scene3d>
+    <dgm:sp3d prstMaterial="dkEdge">
+      <a:bevelT w="8200" h="38100"/>
+    </dgm:sp3d>
+    <dgm:txPr/>
+    <dgm:style>
+      <a:lnRef idx="0">
+        <a:scrgbClr r="0" g="0" b="0"/>
+      </a:lnRef>
+      <a:fillRef idx="2">
+        <a:scrgbClr r="0" g="0" b="0"/>
+      </a:fillRef>
+      <a:effectRef idx="1">
+        <a:scrgbClr r="0" g="0" b="0"/>
+      </a:effectRef>
+      <a:fontRef idx="minor">
+        <a:schemeClr val="dk1"/>
+      </a:fontRef>
+    </dgm:style>
+  </dgm:styleLbl>
+  <dgm:styleLbl name="node2">
+    <dgm:scene3d>
+      <a:camera prst="orthographicFront"/>
+      <a:lightRig rig="flat" dir="t"/>
+    </dgm:scene3d>
+    <dgm:sp3d prstMaterial="dkEdge">
+      <a:bevelT w="8200" h="38100"/>
+    </dgm:sp3d>
+    <dgm:txPr/>
+    <dgm:style>
+      <a:lnRef idx="0">
+        <a:scrgbClr r="0" g="0" b="0"/>
+      </a:lnRef>
+      <a:fillRef idx="2">
+        <a:scrgbClr r="0" g="0" b="0"/>
+      </a:fillRef>
+      <a:effectRef idx="1">
+        <a:scrgbClr r="0" g="0" b="0"/>
+      </a:effectRef>
+      <a:fontRef idx="minor">
+        <a:schemeClr val="dk1"/>
+      </a:fontRef>
+    </dgm:style>
+  </dgm:styleLbl>
+  <dgm:styleLbl name="node3">
+    <dgm:scene3d>
+      <a:camera prst="orthographicFront"/>
+      <a:lightRig rig="flat" dir="t"/>
+    </dgm:scene3d>
+    <dgm:sp3d prstMaterial="dkEdge">
+      <a:bevelT w="8200" h="38100"/>
+    </dgm:sp3d>
+    <dgm:txPr/>
+    <dgm:style>
+      <a:lnRef idx="0">
+        <a:scrgbClr r="0" g="0" b="0"/>
+      </a:lnRef>
+      <a:fillRef idx="2">
+        <a:scrgbClr r="0" g="0" b="0"/>
+      </a:fillRef>
+      <a:effectRef idx="1">
+        <a:scrgbClr r="0" g="0" b="0"/>
+      </a:effectRef>
+      <a:fontRef idx="minor">
+        <a:schemeClr val="dk1"/>
+      </a:fontRef>
+    </dgm:style>
+  </dgm:styleLbl>
+  <dgm:styleLbl name="node4">
+    <dgm:scene3d>
+      <a:camera prst="orthographicFront"/>
+      <a:lightRig rig="flat" dir="t"/>
+    </dgm:scene3d>
+    <dgm:sp3d prstMaterial="dkEdge">
+      <a:bevelT w="8200" h="38100"/>
+    </dgm:sp3d>
+    <dgm:txPr/>
+    <dgm:style>
+      <a:lnRef idx="0">
+        <a:scrgbClr r="0" g="0" b="0"/>
+      </a:lnRef>
+      <a:fillRef idx="2">
+        <a:scrgbClr r="0" g="0" b="0"/>
+      </a:fillRef>
+      <a:effectRef idx="1">
+        <a:scrgbClr r="0" g="0" b="0"/>
+      </a:effectRef>
+      <a:fontRef idx="minor">
+        <a:schemeClr val="dk1"/>
+      </a:fontRef>
+    </dgm:style>
+  </dgm:styleLbl>
+  <dgm:styleLbl name="fgImgPlace1">
+    <dgm:scene3d>
+      <a:camera prst="orthographicFront"/>
+      <a:lightRig rig="threePt" dir="t"/>
+    </dgm:scene3d>
+    <dgm:sp3d/>
+    <dgm:txPr/>
+    <dgm:style>
+      <a:lnRef idx="1">
+        <a:scrgbClr r="0" g="0" b="0"/>
+      </a:lnRef>
+      <a:fillRef idx="1">
+        <a:scrgbClr r="0" g="0" b="0"/>
+      </a:fillRef>
+      <a:effectRef idx="1">
+        <a:scrgbClr r="0" g="0" b="0"/>
+      </a:effectRef>
+      <a:fontRef idx="minor"/>
+    </dgm:style>
+  </dgm:styleLbl>
+  <dgm:styleLbl name="alignImgPlace1">
+    <dgm:scene3d>
+      <a:camera prst="orthographicFront"/>
+      <a:lightRig rig="threePt" dir="t"/>
+    </dgm:scene3d>
+    <dgm:sp3d/>
+    <dgm:txPr/>
+    <dgm:style>
+      <a:lnRef idx="1">
+        <a:scrgbClr r="0" g="0" b="0"/>
+      </a:lnRef>
+      <a:fillRef idx="1">
+        <a:scrgbClr r="0" g="0" b="0"/>
+      </a:fillRef>
+      <a:effectRef idx="1">
+        <a:scrgbClr r="0" g="0" b="0"/>
+      </a:effectRef>
+      <a:fontRef idx="minor"/>
+    </dgm:style>
+  </dgm:styleLbl>
+  <dgm:styleLbl name="bgImgPlace1">
+    <dgm:scene3d>
+      <a:camera prst="orthographicFront"/>
+      <a:lightRig rig="threePt" dir="t"/>
+    </dgm:scene3d>
+    <dgm:sp3d/>
+    <dgm:txPr/>
+    <dgm:style>
+      <a:lnRef idx="1">
+        <a:scrgbClr r="0" g="0" b="0"/>
+      </a:lnRef>
+      <a:fillRef idx="1">
+        <a:scrgbClr r="0" g="0" b="0"/>
+      </a:fillRef>
+      <a:effectRef idx="1">
+        <a:scrgbClr r="0" g="0" b="0"/>
+      </a:effectRef>
+      <a:fontRef idx="minor"/>
+    </dgm:style>
+  </dgm:styleLbl>
+  <dgm:styleLbl name="sibTrans2D1">
+    <dgm:scene3d>
+      <a:camera prst="orthographicFront"/>
+      <a:lightRig rig="threePt" dir="t"/>
+    </dgm:scene3d>
+    <dgm:sp3d/>
+    <dgm:txPr/>
+    <dgm:style>
+      <a:lnRef idx="0">
+        <a:scrgbClr r="0" g="0" b="0"/>
+      </a:lnRef>
+      <a:fillRef idx="2">
+        <a:scrgbClr r="0" g="0" b="0"/>
+      </a:fillRef>
+      <a:effectRef idx="1">
+        <a:scrgbClr r="0" g="0" b="0"/>
+      </a:effectRef>
+      <a:fontRef idx="minor">
+        <a:schemeClr val="dk1"/>
+      </a:fontRef>
+    </dgm:style>
+  </dgm:styleLbl>
+  <dgm:styleLbl name="fgSibTrans2D1">
+    <dgm:scene3d>
+      <a:camera prst="orthographicFront"/>
+      <a:lightRig rig="threePt" dir="t"/>
+    </dgm:scene3d>
+    <dgm:sp3d/>
+    <dgm:txPr/>
+    <dgm:style>
+      <a:lnRef idx="0">
+        <a:scrgbClr r="0" g="0" b="0"/>
+      </a:lnRef>
+      <a:fillRef idx="2">
+        <a:scrgbClr r="0" g="0" b="0"/>
+      </a:fillRef>
+      <a:effectRef idx="1">
+        <a:scrgbClr r="0" g="0" b="0"/>
+      </a:effectRef>
+      <a:fontRef idx="minor">
+        <a:schemeClr val="dk1"/>
+      </a:fontRef>
+    </dgm:style>
+  </dgm:styleLbl>
+  <dgm:styleLbl name="bgSibTrans2D1">
+    <dgm:scene3d>
+      <a:camera prst="orthographicFront"/>
+      <a:lightRig rig="threePt" dir="t"/>
+    </dgm:scene3d>
+    <dgm:sp3d/>
+    <dgm:txPr/>
+    <dgm:style>
+      <a:lnRef idx="0">
+        <a:scrgbClr r="0" g="0" b="0"/>
+      </a:lnRef>
+      <a:fillRef idx="2">
+        <a:scrgbClr r="0" g="0" b="0"/>
+      </a:fillRef>
+      <a:effectRef idx="1">
+        <a:scrgbClr r="0" g="0" b="0"/>
+      </a:effectRef>
+      <a:fontRef idx="minor">
+        <a:schemeClr val="dk1"/>
+      </a:fontRef>
+    </dgm:style>
+  </dgm:styleLbl>
+  <dgm:styleLbl name="sibTrans1D1">
+    <dgm:scene3d>
+      <a:camera prst="orthographicFront"/>
+      <a:lightRig rig="threePt" dir="t"/>
+    </dgm:scene3d>
+    <dgm:sp3d/>
+    <dgm:txPr/>
+    <dgm:style>
+      <a:lnRef idx="1">
+        <a:scrgbClr r="0" g="0" b="0"/>
+      </a:lnRef>
+      <a:fillRef idx="0">
+        <a:scrgbClr r="0" g="0" b="0"/>
+      </a:fillRef>
+      <a:effectRef idx="0">
+        <a:scrgbClr r="0" g="0" b="0"/>
+      </a:effectRef>
+      <a:fontRef idx="minor"/>
+    </dgm:style>
+  </dgm:styleLbl>
+  <dgm:styleLbl name="callout">
+    <dgm:scene3d>
+      <a:camera prst="orthographicFront"/>
+      <a:lightRig rig="threePt" dir="t"/>
+    </dgm:scene3d>
+    <dgm:sp3d/>
+    <dgm:txPr/>
+    <dgm:style>
+      <a:lnRef idx="1">
+        <a:scrgbClr r="0" g="0" b="0"/>
+      </a:lnRef>
+      <a:fillRef idx="2">
+        <a:scrgbClr r="0" g="0" b="0"/>
+      </a:fillRef>
+      <a:effectRef idx="1">
+        <a:scrgbClr r="0" g="0" b="0"/>
+      </a:effectRef>
+      <a:fontRef idx="minor"/>
+    </dgm:style>
+  </dgm:styleLbl>
+  <dgm:styleLbl name="asst0">
+    <dgm:scene3d>
+      <a:camera prst="orthographicFront"/>
+      <a:lightRig rig="flat" dir="t"/>
+    </dgm:scene3d>
+    <dgm:sp3d prstMaterial="dkEdge">
+      <a:bevelT w="8200" h="38100"/>
+    </dgm:sp3d>
+    <dgm:txPr/>
+    <dgm:style>
+      <a:lnRef idx="0">
+        <a:scrgbClr r="0" g="0" b="0"/>
+      </a:lnRef>
+      <a:fillRef idx="2">
+        <a:scrgbClr r="0" g="0" b="0"/>
+      </a:fillRef>
+      <a:effectRef idx="1">
+        <a:scrgbClr r="0" g="0" b="0"/>
+      </a:effectRef>
+      <a:fontRef idx="minor">
+        <a:schemeClr val="dk1"/>
+      </a:fontRef>
+    </dgm:style>
+  </dgm:styleLbl>
+  <dgm:styleLbl name="asst1">
+    <dgm:scene3d>
+      <a:camera prst="orthographicFront"/>
+      <a:lightRig rig="flat" dir="t"/>
+    </dgm:scene3d>
+    <dgm:sp3d prstMaterial="dkEdge">
+      <a:bevelT w="8200" h="38100"/>
+    </dgm:sp3d>
+    <dgm:txPr/>
+    <dgm:style>
+      <a:lnRef idx="0">
+        <a:scrgbClr r="0" g="0" b="0"/>
+      </a:lnRef>
+      <a:fillRef idx="2">
+        <a:scrgbClr r="0" g="0" b="0"/>
+      </a:fillRef>
+      <a:effectRef idx="1">
+        <a:scrgbClr r="0" g="0" b="0"/>
+      </a:effectRef>
+      <a:fontRef idx="minor">
+        <a:schemeClr val="dk1"/>
+      </a:fontRef>
+    </dgm:style>
+  </dgm:styleLbl>
+  <dgm:styleLbl name="asst2">
+    <dgm:scene3d>
+      <a:camera prst="orthographicFront"/>
+      <a:lightRig rig="flat" dir="t"/>
+    </dgm:scene3d>
+    <dgm:sp3d prstMaterial="dkEdge">
+      <a:bevelT w="8200" h="38100"/>
+    </dgm:sp3d>
+    <dgm:txPr/>
+    <dgm:style>
+      <a:lnRef idx="0">
+        <a:scrgbClr r="0" g="0" b="0"/>
+      </a:lnRef>
+      <a:fillRef idx="2">
+        <a:scrgbClr r="0" g="0" b="0"/>
+      </a:fillRef>
+      <a:effectRef idx="1">
+        <a:scrgbClr r="0" g="0" b="0"/>
+      </a:effectRef>
+      <a:fontRef idx="minor">
+        <a:schemeClr val="dk1"/>
+      </a:fontRef>
+    </dgm:style>
+  </dgm:styleLbl>
+  <dgm:styleLbl name="asst3">
+    <dgm:scene3d>
+      <a:camera prst="orthographicFront"/>
+      <a:lightRig rig="flat" dir="t"/>
+    </dgm:scene3d>
+    <dgm:sp3d prstMaterial="dkEdge">
+      <a:bevelT w="8200" h="38100"/>
+    </dgm:sp3d>
+    <dgm:txPr/>
+    <dgm:style>
+      <a:lnRef idx="0">
+        <a:scrgbClr r="0" g="0" b="0"/>
+      </a:lnRef>
+      <a:fillRef idx="2">
+        <a:scrgbClr r="0" g="0" b="0"/>
+      </a:fillRef>
+      <a:effectRef idx="1">
+        <a:scrgbClr r="0" g="0" b="0"/>
+      </a:effectRef>
+      <a:fontRef idx="minor">
+        <a:schemeClr val="dk1"/>
+      </a:fontRef>
+    </dgm:style>
+  </dgm:styleLbl>
+  <dgm:styleLbl name="asst4">
+    <dgm:scene3d>
+      <a:camera prst="orthographicFront"/>
+      <a:lightRig rig="flat" dir="t"/>
+    </dgm:scene3d>
+    <dgm:sp3d prstMaterial="dkEdge">
+      <a:bevelT w="8200" h="38100"/>
+    </dgm:sp3d>
+    <dgm:txPr/>
+    <dgm:style>
+      <a:lnRef idx="0">
+        <a:scrgbClr r="0" g="0" b="0"/>
+      </a:lnRef>
+      <a:fillRef idx="2">
+        <a:scrgbClr r="0" g="0" b="0"/>
+      </a:fillRef>
+      <a:effectRef idx="1">
+        <a:scrgbClr r="0" g="0" b="0"/>
+      </a:effectRef>
+      <a:fontRef idx="minor">
+        <a:schemeClr val="dk1"/>
+      </a:fontRef>
+    </dgm:style>
+  </dgm:styleLbl>
+  <dgm:styleLbl name="parChTrans2D1">
+    <dgm:scene3d>
+      <a:camera prst="orthographicFront"/>
+      <a:lightRig rig="threePt" dir="t"/>
+    </dgm:scene3d>
+    <dgm:sp3d/>
+    <dgm:txPr/>
+    <dgm:style>
+      <a:lnRef idx="1">
+        <a:scrgbClr r="0" g="0" b="0"/>
+      </a:lnRef>
+      <a:fillRef idx="2">
+        <a:scrgbClr r="0" g="0" b="0"/>
+      </a:fillRef>
+      <a:effectRef idx="1">
+        <a:scrgbClr r="0" g="0" b="0"/>
+      </a:effectRef>
+      <a:fontRef idx="minor">
+        <a:schemeClr val="dk1"/>
+      </a:fontRef>
+    </dgm:style>
+  </dgm:styleLbl>
+  <dgm:styleLbl name="parChTrans2D2">
+    <dgm:scene3d>
+      <a:camera prst="orthographicFront"/>
+      <a:lightRig rig="threePt" dir="t"/>
+    </dgm:scene3d>
+    <dgm:sp3d/>
+    <dgm:txPr/>
+    <dgm:style>
+      <a:lnRef idx="1">
+        <a:scrgbClr r="0" g="0" b="0"/>
+      </a:lnRef>
+      <a:fillRef idx="2">
+        <a:scrgbClr r="0" g="0" b="0"/>
+      </a:fillRef>
+      <a:effectRef idx="1">
+        <a:scrgbClr r="0" g="0" b="0"/>
+      </a:effectRef>
+      <a:fontRef idx="minor">
+        <a:schemeClr val="dk1"/>
+      </a:fontRef>
+    </dgm:style>
+  </dgm:styleLbl>
+  <dgm:styleLbl name="parChTrans2D3">
+    <dgm:scene3d>
+      <a:camera prst="orthographicFront"/>
+      <a:lightRig rig="threePt" dir="t"/>
+    </dgm:scene3d>
+    <dgm:sp3d/>
+    <dgm:txPr/>
+    <dgm:style>
+      <a:lnRef idx="1">
+        <a:scrgbClr r="0" g="0" b="0"/>
+      </a:lnRef>
+      <a:fillRef idx="2">
+        <a:scrgbClr r="0" g="0" b="0"/>
+      </a:fillRef>
+      <a:effectRef idx="1">
+        <a:scrgbClr r="0" g="0" b="0"/>
+      </a:effectRef>
+      <a:fontRef idx="minor">
+        <a:schemeClr val="dk1"/>
+      </a:fontRef>
+    </dgm:style>
+  </dgm:styleLbl>
+  <dgm:styleLbl name="parChTrans2D4">
+    <dgm:scene3d>
+      <a:camera prst="orthographicFront"/>
+      <a:lightRig rig="threePt" dir="t"/>
+    </dgm:scene3d>
+    <dgm:sp3d/>
+    <dgm:txPr/>
+    <dgm:style>
+      <a:lnRef idx="1">
+        <a:scrgbClr r="0" g="0" b="0"/>
+      </a:lnRef>
+      <a:fillRef idx="2">
+        <a:scrgbClr r="0" g="0" b="0"/>
+      </a:fillRef>
+      <a:effectRef idx="1">
+        <a:scrgbClr r="0" g="0" b="0"/>
+      </a:effectRef>
+      <a:fontRef idx="minor">
+        <a:schemeClr val="dk1"/>
+      </a:fontRef>
+    </dgm:style>
+  </dgm:styleLbl>
+  <dgm:styleLbl name="parChTrans1D1">
+    <dgm:scene3d>
+      <a:camera prst="orthographicFront"/>
+      <a:lightRig rig="threePt" dir="t"/>
+    </dgm:scene3d>
+    <dgm:sp3d/>
+    <dgm:txPr/>
+    <dgm:style>
+      <a:lnRef idx="2">
+        <a:scrgbClr r="0" g="0" b="0"/>
+      </a:lnRef>
+      <a:fillRef idx="0">
+        <a:scrgbClr r="0" g="0" b="0"/>
+      </a:fillRef>
+      <a:effectRef idx="0">
+        <a:scrgbClr r="0" g="0" b="0"/>
+      </a:effectRef>
+      <a:fontRef idx="minor"/>
+    </dgm:style>
+  </dgm:styleLbl>
+  <dgm:styleLbl name="parChTrans1D2">
+    <dgm:scene3d>
+      <a:camera prst="orthographicFront"/>
+      <a:lightRig rig="threePt" dir="t"/>
+    </dgm:scene3d>
+    <dgm:sp3d/>
+    <dgm:txPr/>
+    <dgm:style>
+      <a:lnRef idx="2">
+        <a:scrgbClr r="0" g="0" b="0"/>
+      </a:lnRef>
+      <a:fillRef idx="0">
+        <a:scrgbClr r="0" g="0" b="0"/>
+      </a:fillRef>
+      <a:effectRef idx="0">
+        <a:scrgbClr r="0" g="0" b="0"/>
+      </a:effectRef>
+      <a:fontRef idx="minor"/>
+    </dgm:style>
+  </dgm:styleLbl>
+  <dgm:styleLbl name="parChTrans1D3">
+    <dgm:scene3d>
+      <a:camera prst="orthographicFront"/>
+      <a:lightRig rig="threePt" dir="t"/>
+    </dgm:scene3d>
+    <dgm:sp3d/>
+    <dgm:txPr/>
+    <dgm:style>
+      <a:lnRef idx="2">
+        <a:scrgbClr r="0" g="0" b="0"/>
+      </a:lnRef>
+      <a:fillRef idx="0">
+        <a:scrgbClr r="0" g="0" b="0"/>
+      </a:fillRef>
+      <a:effectRef idx="0">
+        <a:scrgbClr r="0" g="0" b="0"/>
+      </a:effectRef>
+      <a:fontRef idx="minor"/>
+    </dgm:style>
+  </dgm:styleLbl>
+  <dgm:styleLbl name="parChTrans1D4">
+    <dgm:scene3d>
+      <a:camera prst="orthographicFront"/>
+      <a:lightRig rig="threePt" dir="t"/>
+    </dgm:scene3d>
+    <dgm:sp3d/>
+    <dgm:txPr/>
+    <dgm:style>
+      <a:lnRef idx="2">
+        <a:scrgbClr r="0" g="0" b="0"/>
+      </a:lnRef>
+      <a:fillRef idx="0">
+        <a:scrgbClr r="0" g="0" b="0"/>
+      </a:fillRef>
+      <a:effectRef idx="0">
+        <a:scrgbClr r="0" g="0" b="0"/>
+      </a:effectRef>
+      <a:fontRef idx="minor"/>
+    </dgm:style>
+  </dgm:styleLbl>
+  <dgm:styleLbl name="fgAcc1">
+    <dgm:scene3d>
+      <a:camera prst="orthographicFront"/>
+      <a:lightRig rig="threePt" dir="t"/>
+    </dgm:scene3d>
+    <dgm:sp3d/>
+    <dgm:txPr/>
+    <dgm:style>
+      <a:lnRef idx="1">
+        <a:scrgbClr r="0" g="0" b="0"/>
+      </a:lnRef>
+      <a:fillRef idx="1">
+        <a:scrgbClr r="0" g="0" b="0"/>
+      </a:fillRef>
+      <a:effectRef idx="0">
+        <a:scrgbClr r="0" g="0" b="0"/>
+      </a:effectRef>
+      <a:fontRef idx="minor"/>
+    </dgm:style>
+  </dgm:styleLbl>
+  <dgm:styleLbl name="conFgAcc1">
+    <dgm:scene3d>
+      <a:camera prst="orthographicFront"/>
+      <a:lightRig rig="threePt" dir="t"/>
+    </dgm:scene3d>
+    <dgm:sp3d/>
+    <dgm:txPr/>
+    <dgm:style>
+      <a:lnRef idx="1">
+        <a:scrgbClr r="0" g="0" b="0"/>
+      </a:lnRef>
+      <a:fillRef idx="1">
+        <a:scrgbClr r="0" g="0" b="0"/>
+      </a:fillRef>
+      <a:effectRef idx="0">
+        <a:scrgbClr r="0" g="0" b="0"/>
+      </a:effectRef>
+      <a:fontRef idx="minor"/>
+    </dgm:style>
+  </dgm:styleLbl>
+  <dgm:styleLbl name="alignAcc1">
+    <dgm:scene3d>
+      <a:camera prst="orthographicFront"/>
+      <a:lightRig rig="threePt" dir="t"/>
+    </dgm:scene3d>
+    <dgm:sp3d/>
+    <dgm:txPr/>
+    <dgm:style>
+      <a:lnRef idx="1">
+        <a:scrgbClr r="0" g="0" b="0"/>
+      </a:lnRef>
+      <a:fillRef idx="1">
+        <a:scrgbClr r="0" g="0" b="0"/>
+      </a:fillRef>
+      <a:effectRef idx="0">
+        <a:scrgbClr r="0" g="0" b="0"/>
+      </a:effectRef>
+      <a:fontRef idx="minor"/>
+    </dgm:style>
+  </dgm:styleLbl>
+  <dgm:styleLbl name="trAlignAcc1">
+    <dgm:scene3d>
+      <a:camera prst="orthographicFront"/>
+      <a:lightRig rig="threePt" dir="t"/>
+    </dgm:scene3d>
+    <dgm:sp3d/>
+    <dgm:txPr/>
+    <dgm:style>
+      <a:lnRef idx="1">
+        <a:scrgbClr r="0" g="0" b="0"/>
+      </a:lnRef>
+      <a:fillRef idx="1">
+        <a:scrgbClr r="0" g="0" b="0"/>
+      </a:fillRef>
+      <a:effectRef idx="0">
+        <a:scrgbClr r="0" g="0" b="0"/>
+      </a:effectRef>
+      <a:fontRef idx="minor"/>
+    </dgm:style>
+  </dgm:styleLbl>
+  <dgm:styleLbl name="bgAcc1">
+    <dgm:scene3d>
+      <a:camera prst="orthographicFront"/>
+      <a:lightRig rig="threePt" dir="t"/>
+    </dgm:scene3d>
+    <dgm:sp3d/>
+    <dgm:txPr/>
+    <dgm:style>
+      <a:lnRef idx="1">
+        <a:scrgbClr r="0" g="0" b="0"/>
+      </a:lnRef>
+      <a:fillRef idx="1">
+        <a:scrgbClr r="0" g="0" b="0"/>
+      </a:fillRef>
+      <a:effectRef idx="0">
+        <a:scrgbClr r="0" g="0" b="0"/>
+      </a:effectRef>
+      <a:fontRef idx="minor"/>
+    </dgm:style>
+  </dgm:styleLbl>
+  <dgm:styleLbl name="solidFgAcc1">
+    <dgm:scene3d>
+      <a:camera prst="orthographicFront"/>
+      <a:lightRig rig="threePt" dir="t"/>
+    </dgm:scene3d>
+    <dgm:sp3d/>
+    <dgm:txPr/>
+    <dgm:style>
+      <a:lnRef idx="1">
+        <a:scrgbClr r="0" g="0" b="0"/>
+      </a:lnRef>
+      <a:fillRef idx="2">
+        <a:scrgbClr r="0" g="0" b="0"/>
+      </a:fillRef>
+      <a:effectRef idx="0">
+        <a:scrgbClr r="0" g="0" b="0"/>
+      </a:effectRef>
+      <a:fontRef idx="minor"/>
+    </dgm:style>
+  </dgm:styleLbl>
+  <dgm:styleLbl name="solidAlignAcc1">
+    <dgm:scene3d>
+      <a:camera prst="orthographicFront"/>
+      <a:lightRig rig="threePt" dir="t"/>
+    </dgm:scene3d>
+    <dgm:sp3d/>
+    <dgm:txPr/>
+    <dgm:style>
+      <a:lnRef idx="1">
+        <a:scrgbClr r="0" g="0" b="0"/>
+      </a:lnRef>
+      <a:fillRef idx="1">
+        <a:scrgbClr r="0" g="0" b="0"/>
+      </a:fillRef>
+      <a:effectRef idx="0">
+        <a:scrgbClr r="0" g="0" b="0"/>
+      </a:effectRef>
+      <a:fontRef idx="minor"/>
+    </dgm:style>
+  </dgm:styleLbl>
+  <dgm:styleLbl name="solidBgAcc1">
+    <dgm:scene3d>
+      <a:camera prst="orthographicFront"/>
+      <a:lightRig rig="threePt" dir="t"/>
+    </dgm:scene3d>
+    <dgm:sp3d/>
+    <dgm:txPr/>
+    <dgm:style>
+      <a:lnRef idx="1">
+        <a:scrgbClr r="0" g="0" b="0"/>
+      </a:lnRef>
+      <a:fillRef idx="1">
+        <a:scrgbClr r="0" g="0" b="0"/>
+      </a:fillRef>
+      <a:effectRef idx="0">
+        <a:scrgbClr r="0" g="0" b="0"/>
+      </a:effectRef>
+      <a:fontRef idx="minor"/>
+    </dgm:style>
+  </dgm:styleLbl>
+  <dgm:styleLbl name="fgAccFollowNode1">
+    <dgm:scene3d>
+      <a:camera prst="orthographicFront"/>
+      <a:lightRig rig="threePt" dir="t"/>
+    </dgm:scene3d>
+    <dgm:sp3d/>
+    <dgm:txPr/>
+    <dgm:style>
+      <a:lnRef idx="1">
+        <a:scrgbClr r="0" g="0" b="0"/>
+      </a:lnRef>
+      <a:fillRef idx="1">
+        <a:scrgbClr r="0" g="0" b="0"/>
+      </a:fillRef>
+      <a:effectRef idx="0">
+        <a:scrgbClr r="0" g="0" b="0"/>
+      </a:effectRef>
+      <a:fontRef idx="minor"/>
+    </dgm:style>
+  </dgm:styleLbl>
+  <dgm:styleLbl name="alignAccFollowNode1">
+    <dgm:scene3d>
+      <a:camera prst="orthographicFront"/>
+      <a:lightRig rig="threePt" dir="t"/>
+    </dgm:scene3d>
+    <dgm:sp3d/>
+    <dgm:txPr/>
+    <dgm:style>
+      <a:lnRef idx="1">
+        <a:scrgbClr r="0" g="0" b="0"/>
+      </a:lnRef>
+      <a:fillRef idx="1">
+        <a:scrgbClr r="0" g="0" b="0"/>
+      </a:fillRef>
+      <a:effectRef idx="0">
+        <a:scrgbClr r="0" g="0" b="0"/>
+      </a:effectRef>
+      <a:fontRef idx="minor"/>
+    </dgm:style>
+  </dgm:styleLbl>
+  <dgm:styleLbl name="bgAccFollowNode1">
+    <dgm:scene3d>
+      <a:camera prst="orthographicFront"/>
+      <a:lightRig rig="threePt" dir="t"/>
+    </dgm:scene3d>
+    <dgm:sp3d/>
+    <dgm:txPr/>
+    <dgm:style>
+      <a:lnRef idx="1">
+        <a:scrgbClr r="0" g="0" b="0"/>
+      </a:lnRef>
+      <a:fillRef idx="1">
+        <a:scrgbClr r="0" g="0" b="0"/>
+      </a:fillRef>
+      <a:effectRef idx="0">
+        <a:scrgbClr r="0" g="0" b="0"/>
+      </a:effectRef>
+      <a:fontRef idx="minor"/>
+    </dgm:style>
+  </dgm:styleLbl>
+  <dgm:styleLbl name="fgAcc0">
+    <dgm:scene3d>
+      <a:camera prst="orthographicFront"/>
+      <a:lightRig rig="threePt" dir="t"/>
+    </dgm:scene3d>
+    <dgm:sp3d/>
+    <dgm:txPr/>
+    <dgm:style>
+      <a:lnRef idx="1">
+        <a:scrgbClr r="0" g="0" b="0"/>
+      </a:lnRef>
+      <a:fillRef idx="1">
+        <a:scrgbClr r="0" g="0" b="0"/>
+      </a:fillRef>
+      <a:effectRef idx="0">
+        <a:scrgbClr r="0" g="0" b="0"/>
+      </a:effectRef>
+      <a:fontRef idx="minor"/>
+    </dgm:style>
+  </dgm:styleLbl>
+  <dgm:styleLbl name="fgAcc2">
+    <dgm:scene3d>
+      <a:camera prst="orthographicFront"/>
+      <a:lightRig rig="threePt" dir="t"/>
+    </dgm:scene3d>
+    <dgm:sp3d/>
+    <dgm:txPr/>
+    <dgm:style>
+      <a:lnRef idx="1">
+        <a:scrgbClr r="0" g="0" b="0"/>
+      </a:lnRef>
+      <a:fillRef idx="1">
+        <a:scrgbClr r="0" g="0" b="0"/>
+      </a:fillRef>
+      <a:effectRef idx="0">
+        <a:scrgbClr r="0" g="0" b="0"/>
+      </a:effectRef>
+      <a:fontRef idx="minor"/>
+    </dgm:style>
+  </dgm:styleLbl>
+  <dgm:styleLbl name="fgAcc3">
+    <dgm:scene3d>
+      <a:camera prst="orthographicFront"/>
+      <a:lightRig rig="threePt" dir="t"/>
+    </dgm:scene3d>
+    <dgm:sp3d/>
+    <dgm:txPr/>
+    <dgm:style>
+      <a:lnRef idx="1">
+        <a:scrgbClr r="0" g="0" b="0"/>
+      </a:lnRef>
+      <a:fillRef idx="1">
+        <a:scrgbClr r="0" g="0" b="0"/>
+      </a:fillRef>
+      <a:effectRef idx="0">
+        <a:scrgbClr r="0" g="0" b="0"/>
+      </a:effectRef>
+      <a:fontRef idx="minor"/>
+    </dgm:style>
+  </dgm:styleLbl>
+  <dgm:styleLbl name="fgAcc4">
+    <dgm:scene3d>
+      <a:camera prst="orthographicFront"/>
+      <a:lightRig rig="threePt" dir="t"/>
+    </dgm:scene3d>
+    <dgm:sp3d/>
+    <dgm:txPr/>
+    <dgm:style>
+      <a:lnRef idx="1">
+        <a:scrgbClr r="0" g="0" b="0"/>
+      </a:lnRef>
+      <a:fillRef idx="1">
+        <a:scrgbClr r="0" g="0" b="0"/>
+      </a:fillRef>
+      <a:effectRef idx="0">
+        <a:scrgbClr r="0" g="0" b="0"/>
+      </a:effectRef>
+      <a:fontRef idx="minor"/>
+    </dgm:style>
+  </dgm:styleLbl>
+  <dgm:styleLbl name="bgShp">
+    <dgm:scene3d>
+      <a:camera prst="orthographicFront"/>
+      <a:lightRig rig="threePt" dir="t"/>
+    </dgm:scene3d>
+    <dgm:sp3d/>
+    <dgm:txPr/>
+    <dgm:style>
+      <a:lnRef idx="0">
+        <a:scrgbClr r="0" g="0" b="0"/>
+      </a:lnRef>
+      <a:fillRef idx="1">
+        <a:scrgbClr r="0" g="0" b="0"/>
+      </a:fillRef>
+      <a:effectRef idx="1">
+        <a:scrgbClr r="0" g="0" b="0"/>
+      </a:effectRef>
+      <a:fontRef idx="minor"/>
+    </dgm:style>
+  </dgm:styleLbl>
+  <dgm:styleLbl name="dkBgShp">
+    <dgm:scene3d>
+      <a:camera prst="orthographicFront"/>
+      <a:lightRig rig="threePt" dir="t"/>
+    </dgm:scene3d>
+    <dgm:sp3d/>
+    <dgm:txPr/>
+    <dgm:style>
+      <a:lnRef idx="0">
+        <a:scrgbClr r="0" g="0" b="0"/>
+      </a:lnRef>
+      <a:fillRef idx="1">
+        <a:scrgbClr r="0" g="0" b="0"/>
+      </a:fillRef>
+      <a:effectRef idx="1">
+        <a:scrgbClr r="0" g="0" b="0"/>
+      </a:effectRef>
+      <a:fontRef idx="minor"/>
+    </dgm:style>
+  </dgm:styleLbl>
+  <dgm:styleLbl name="trBgShp">
+    <dgm:scene3d>
+      <a:camera prst="orthographicFront"/>
+      <a:lightRig rig="threePt" dir="t"/>
+    </dgm:scene3d>
+    <dgm:sp3d/>
+    <dgm:txPr/>
+    <dgm:style>
+      <a:lnRef idx="0">
+        <a:scrgbClr r="0" g="0" b="0"/>
+      </a:lnRef>
+      <a:fillRef idx="1">
+        <a:scrgbClr r="0" g="0" b="0"/>
+      </a:fillRef>
+      <a:effectRef idx="0">
+        <a:scrgbClr r="0" g="0" b="0"/>
+      </a:effectRef>
+      <a:fontRef idx="minor"/>
+    </dgm:style>
+  </dgm:styleLbl>
+  <dgm:styleLbl name="fgShp">
+    <dgm:scene3d>
+      <a:camera prst="orthographicFront"/>
+      <a:lightRig rig="flat" dir="t"/>
+    </dgm:scene3d>
+    <dgm:sp3d prstMaterial="dkEdge">
+      <a:bevelT w="8200" h="38100"/>
+    </dgm:sp3d>
+    <dgm:txPr/>
+    <dgm:style>
+      <a:lnRef idx="1">
+        <a:scrgbClr r="0" g="0" b="0"/>
+      </a:lnRef>
+      <a:fillRef idx="2">
+        <a:scrgbClr r="0" g="0" b="0"/>
+      </a:fillRef>
+      <a:effectRef idx="1">
+        <a:scrgbClr r="0" g="0" b="0"/>
+      </a:effectRef>
+      <a:fontRef idx="minor"/>
+    </dgm:style>
+  </dgm:styleLbl>
+  <dgm:styleLbl name="revTx">
+    <dgm:scene3d>
+      <a:camera prst="orthographicFront"/>
+      <a:lightRig rig="threePt" dir="t"/>
+    </dgm:scene3d>
+    <dgm:sp3d/>
+    <dgm:txPr/>
+    <dgm:style>
+      <a:lnRef idx="0">
+        <a:scrgbClr r="0" g="0" b="0"/>
+      </a:lnRef>
+      <a:fillRef idx="0">
+        <a:scrgbClr r="0" g="0" b="0"/>
+      </a:fillRef>
+      <a:effectRef idx="0">
+        <a:scrgbClr r="0" g="0" b="0"/>
+      </a:effectRef>
+      <a:fontRef idx="minor"/>
+    </dgm:style>
+  </dgm:styleLbl>
+</dgm:styleDef>
 </file>
 
 <file path=ppt/notesMasters/notesMaster1.xml><?xml version="1.0" encoding="utf-8"?>
@@ -955,6 +3775,210 @@
               <a:rPr lang="it-IT" smtClean="0"/>
               <a:pPr/>
               <a:t>30</a:t>
+            </a:fld>
+            <a:endParaRPr lang="it-IT"/>
+          </a:p>
+        </p:txBody>
+      </p:sp>
+    </p:spTree>
+  </p:cSld>
+  <p:clrMapOvr>
+    <a:masterClrMapping/>
+  </p:clrMapOvr>
+</p:notes>
+</file>
+
+<file path=ppt/notesSlides/notesSlide5.xml><?xml version="1.0" encoding="utf-8"?>
+<p:notes xmlns:a="http://schemas.openxmlformats.org/drawingml/2006/main" xmlns:r="http://schemas.openxmlformats.org/officeDocument/2006/relationships" xmlns:p="http://schemas.openxmlformats.org/presentationml/2006/main">
+  <p:cSld>
+    <p:spTree>
+      <p:nvGrpSpPr>
+        <p:cNvPr id="1" name=""/>
+        <p:cNvGrpSpPr/>
+        <p:nvPr/>
+      </p:nvGrpSpPr>
+      <p:grpSpPr>
+        <a:xfrm>
+          <a:off x="0" y="0"/>
+          <a:ext cx="0" cy="0"/>
+          <a:chOff x="0" y="0"/>
+          <a:chExt cx="0" cy="0"/>
+        </a:xfrm>
+      </p:grpSpPr>
+      <p:sp>
+        <p:nvSpPr>
+          <p:cNvPr id="2" name="Segnaposto immagine diapositiva 1"/>
+          <p:cNvSpPr>
+            <a:spLocks noGrp="1" noRot="1" noChangeAspect="1"/>
+          </p:cNvSpPr>
+          <p:nvPr>
+            <p:ph type="sldImg"/>
+          </p:nvPr>
+        </p:nvSpPr>
+        <p:spPr/>
+      </p:sp>
+      <p:sp>
+        <p:nvSpPr>
+          <p:cNvPr id="3" name="Segnaposto note 2"/>
+          <p:cNvSpPr>
+            <a:spLocks noGrp="1"/>
+          </p:cNvSpPr>
+          <p:nvPr>
+            <p:ph type="body" idx="1"/>
+          </p:nvPr>
+        </p:nvSpPr>
+        <p:spPr/>
+        <p:txBody>
+          <a:bodyPr>
+            <a:normAutofit/>
+          </a:bodyPr>
+          <a:lstStyle/>
+          <a:p>
+            <a:r>
+              <a:rPr lang="it-IT" dirty="0" smtClean="0"/>
+              <a:t>La presentazione si articola principalmente</a:t>
+            </a:r>
+            <a:r>
+              <a:rPr lang="it-IT" baseline="0" dirty="0" smtClean="0"/>
+              <a:t> su 7 punti:</a:t>
+            </a:r>
+          </a:p>
+          <a:p>
+            <a:r>
+              <a:rPr lang="it-IT" baseline="0" dirty="0" smtClean="0"/>
+              <a:t>Inizialmente descriverò lo scenario e l’obiettivo della tesi, passerò poi alla spiegazione dell’algoritmo che è alla base del MIP solver, programma usato per testare la griglia computazionale.</a:t>
+            </a:r>
+          </a:p>
+          <a:p>
+            <a:r>
+              <a:rPr lang="it-IT" baseline="0" dirty="0" smtClean="0"/>
+              <a:t>Concluderò la presentazione mostrando i risultati della sperimentazione e di alcuni test effettuati sulla rete. </a:t>
+            </a:r>
+            <a:endParaRPr lang="it-IT" dirty="0"/>
+          </a:p>
+        </p:txBody>
+      </p:sp>
+      <p:sp>
+        <p:nvSpPr>
+          <p:cNvPr id="4" name="Segnaposto numero diapositiva 3"/>
+          <p:cNvSpPr>
+            <a:spLocks noGrp="1"/>
+          </p:cNvSpPr>
+          <p:nvPr>
+            <p:ph type="sldNum" sz="quarter" idx="10"/>
+          </p:nvPr>
+        </p:nvSpPr>
+        <p:spPr/>
+        <p:txBody>
+          <a:bodyPr/>
+          <a:lstStyle/>
+          <a:p>
+            <a:fld id="{CA281A89-4495-4BEF-8544-6130B5F8EE19}" type="slidenum">
+              <a:rPr lang="it-IT" smtClean="0"/>
+              <a:pPr/>
+              <a:t>40</a:t>
+            </a:fld>
+            <a:endParaRPr lang="it-IT"/>
+          </a:p>
+        </p:txBody>
+      </p:sp>
+    </p:spTree>
+  </p:cSld>
+  <p:clrMapOvr>
+    <a:masterClrMapping/>
+  </p:clrMapOvr>
+</p:notes>
+</file>
+
+<file path=ppt/notesSlides/notesSlide6.xml><?xml version="1.0" encoding="utf-8"?>
+<p:notes xmlns:a="http://schemas.openxmlformats.org/drawingml/2006/main" xmlns:r="http://schemas.openxmlformats.org/officeDocument/2006/relationships" xmlns:p="http://schemas.openxmlformats.org/presentationml/2006/main">
+  <p:cSld>
+    <p:spTree>
+      <p:nvGrpSpPr>
+        <p:cNvPr id="1" name=""/>
+        <p:cNvGrpSpPr/>
+        <p:nvPr/>
+      </p:nvGrpSpPr>
+      <p:grpSpPr>
+        <a:xfrm>
+          <a:off x="0" y="0"/>
+          <a:ext cx="0" cy="0"/>
+          <a:chOff x="0" y="0"/>
+          <a:chExt cx="0" cy="0"/>
+        </a:xfrm>
+      </p:grpSpPr>
+      <p:sp>
+        <p:nvSpPr>
+          <p:cNvPr id="2" name="Segnaposto immagine diapositiva 1"/>
+          <p:cNvSpPr>
+            <a:spLocks noGrp="1" noRot="1" noChangeAspect="1"/>
+          </p:cNvSpPr>
+          <p:nvPr>
+            <p:ph type="sldImg"/>
+          </p:nvPr>
+        </p:nvSpPr>
+        <p:spPr/>
+      </p:sp>
+      <p:sp>
+        <p:nvSpPr>
+          <p:cNvPr id="3" name="Segnaposto note 2"/>
+          <p:cNvSpPr>
+            <a:spLocks noGrp="1"/>
+          </p:cNvSpPr>
+          <p:nvPr>
+            <p:ph type="body" idx="1"/>
+          </p:nvPr>
+        </p:nvSpPr>
+        <p:spPr/>
+        <p:txBody>
+          <a:bodyPr>
+            <a:normAutofit/>
+          </a:bodyPr>
+          <a:lstStyle/>
+          <a:p>
+            <a:r>
+              <a:rPr lang="it-IT" dirty="0" smtClean="0"/>
+              <a:t>La presentazione si articola principalmente</a:t>
+            </a:r>
+            <a:r>
+              <a:rPr lang="it-IT" baseline="0" dirty="0" smtClean="0"/>
+              <a:t> su 7 punti:</a:t>
+            </a:r>
+          </a:p>
+          <a:p>
+            <a:r>
+              <a:rPr lang="it-IT" baseline="0" dirty="0" smtClean="0"/>
+              <a:t>Inizialmente descriverò lo scenario e l’obiettivo della tesi, passerò poi alla spiegazione dell’algoritmo che è alla base del MIP solver, programma usato per testare la griglia computazionale.</a:t>
+            </a:r>
+          </a:p>
+          <a:p>
+            <a:r>
+              <a:rPr lang="it-IT" baseline="0" dirty="0" smtClean="0"/>
+              <a:t>Concluderò la presentazione mostrando i risultati della sperimentazione e di alcuni test effettuati sulla rete. </a:t>
+            </a:r>
+            <a:endParaRPr lang="it-IT" dirty="0"/>
+          </a:p>
+        </p:txBody>
+      </p:sp>
+      <p:sp>
+        <p:nvSpPr>
+          <p:cNvPr id="4" name="Segnaposto numero diapositiva 3"/>
+          <p:cNvSpPr>
+            <a:spLocks noGrp="1"/>
+          </p:cNvSpPr>
+          <p:nvPr>
+            <p:ph type="sldNum" sz="quarter" idx="10"/>
+          </p:nvPr>
+        </p:nvSpPr>
+        <p:spPr/>
+        <p:txBody>
+          <a:bodyPr/>
+          <a:lstStyle/>
+          <a:p>
+            <a:fld id="{CA281A89-4495-4BEF-8544-6130B5F8EE19}" type="slidenum">
+              <a:rPr lang="it-IT" smtClean="0"/>
+              <a:pPr/>
+              <a:t>41</a:t>
             </a:fld>
             <a:endParaRPr lang="it-IT"/>
           </a:p>
@@ -20151,6 +23175,210 @@
 </p:sld>
 </file>
 
+<file path=ppt/slides/slide40.xml><?xml version="1.0" encoding="utf-8"?>
+<p:sld xmlns:a="http://schemas.openxmlformats.org/drawingml/2006/main" xmlns:r="http://schemas.openxmlformats.org/officeDocument/2006/relationships" xmlns:p="http://schemas.openxmlformats.org/presentationml/2006/main">
+  <p:cSld>
+    <p:spTree>
+      <p:nvGrpSpPr>
+        <p:cNvPr id="1" name=""/>
+        <p:cNvGrpSpPr/>
+        <p:nvPr/>
+      </p:nvGrpSpPr>
+      <p:grpSpPr>
+        <a:xfrm>
+          <a:off x="0" y="0"/>
+          <a:ext cx="0" cy="0"/>
+          <a:chOff x="0" y="0"/>
+          <a:chExt cx="0" cy="0"/>
+        </a:xfrm>
+      </p:grpSpPr>
+      <p:pic>
+        <p:nvPicPr>
+          <p:cNvPr id="8194" name="Picture 2"/>
+          <p:cNvPicPr>
+            <a:picLocks noChangeAspect="1" noChangeArrowheads="1"/>
+          </p:cNvPicPr>
+          <p:nvPr/>
+        </p:nvPicPr>
+        <p:blipFill>
+          <a:blip r:embed="rId3">
+            <a:clrChange>
+              <a:clrFrom>
+                <a:srgbClr val="FFFFFF"/>
+              </a:clrFrom>
+              <a:clrTo>
+                <a:srgbClr val="FFFFFF">
+                  <a:alpha val="0"/>
+                </a:srgbClr>
+              </a:clrTo>
+            </a:clrChange>
+          </a:blip>
+          <a:srcRect l="2634" t="5518" r="2634" b="13794"/>
+          <a:stretch>
+            <a:fillRect/>
+          </a:stretch>
+        </p:blipFill>
+        <p:spPr bwMode="auto">
+          <a:xfrm>
+            <a:off x="3277161" y="2917818"/>
+            <a:ext cx="2589679" cy="1052923"/>
+          </a:xfrm>
+          <a:prstGeom prst="rect">
+            <a:avLst/>
+          </a:prstGeom>
+          <a:noFill/>
+          <a:ln w="9525">
+            <a:noFill/>
+            <a:miter lim="800000"/>
+            <a:headEnd/>
+            <a:tailEnd/>
+          </a:ln>
+          <a:effectLst>
+            <a:reflection blurRad="6350" stA="50000" endA="300" endPos="90000" dir="5400000" sy="-100000" algn="bl" rotWithShape="0"/>
+          </a:effectLst>
+        </p:spPr>
+      </p:pic>
+      <p:graphicFrame>
+        <p:nvGraphicFramePr>
+          <p:cNvPr id="35" name="Diagramma 34"/>
+          <p:cNvGraphicFramePr/>
+          <p:nvPr/>
+        </p:nvGraphicFramePr>
+        <p:xfrm>
+          <a:off x="0" y="763551"/>
+          <a:ext cx="9144000" cy="5838858"/>
+        </p:xfrm>
+        <a:graphic>
+          <a:graphicData uri="http://schemas.openxmlformats.org/drawingml/2006/diagram">
+            <dgm:relIds xmlns:dgm="http://schemas.openxmlformats.org/drawingml/2006/diagram" xmlns:r="http://schemas.openxmlformats.org/officeDocument/2006/relationships" r:dm="rId4" r:lo="rId5" r:qs="rId6" r:cs="rId7"/>
+          </a:graphicData>
+        </a:graphic>
+      </p:graphicFrame>
+    </p:spTree>
+  </p:cSld>
+  <p:clrMapOvr>
+    <a:masterClrMapping/>
+  </p:clrMapOvr>
+  <p:transition>
+    <p:fade/>
+  </p:transition>
+  <p:timing>
+    <p:tnLst>
+      <p:par>
+        <p:cTn id="1" dur="indefinite" restart="never" nodeType="tmRoot"/>
+      </p:par>
+    </p:tnLst>
+  </p:timing>
+</p:sld>
+</file>
+
+<file path=ppt/slides/slide41.xml><?xml version="1.0" encoding="utf-8"?>
+<p:sld xmlns:a="http://schemas.openxmlformats.org/drawingml/2006/main" xmlns:r="http://schemas.openxmlformats.org/officeDocument/2006/relationships" xmlns:p="http://schemas.openxmlformats.org/presentationml/2006/main">
+  <p:cSld>
+    <p:spTree>
+      <p:nvGrpSpPr>
+        <p:cNvPr id="1" name=""/>
+        <p:cNvGrpSpPr/>
+        <p:nvPr/>
+      </p:nvGrpSpPr>
+      <p:grpSpPr>
+        <a:xfrm>
+          <a:off x="0" y="0"/>
+          <a:ext cx="0" cy="0"/>
+          <a:chOff x="0" y="0"/>
+          <a:chExt cx="0" cy="0"/>
+        </a:xfrm>
+      </p:grpSpPr>
+      <p:sp>
+        <p:nvSpPr>
+          <p:cNvPr id="32" name="CasellaDiTesto 31"/>
+          <p:cNvSpPr txBox="1"/>
+          <p:nvPr/>
+        </p:nvSpPr>
+        <p:spPr>
+          <a:xfrm>
+            <a:off x="73374" y="470880"/>
+            <a:ext cx="8997254" cy="584775"/>
+          </a:xfrm>
+          <a:prstGeom prst="rect">
+            <a:avLst/>
+          </a:prstGeom>
+          <a:noFill/>
+        </p:spPr>
+        <p:txBody>
+          <a:bodyPr wrap="square" rtlCol="0">
+            <a:spAutoFit/>
+          </a:bodyPr>
+          <a:lstStyle/>
+          <a:p>
+            <a:pPr algn="ctr"/>
+            <a:r>
+              <a:rPr lang="it-IT" sz="3200" b="1" dirty="0" smtClean="0">
+                <a:latin typeface="+mj-lt"/>
+              </a:rPr>
+              <a:t>JBPM – Processo registrazione </a:t>
+            </a:r>
+            <a:r>
+              <a:rPr lang="it-IT" sz="3200" b="1" dirty="0" err="1" smtClean="0">
+                <a:latin typeface="+mj-lt"/>
+              </a:rPr>
+              <a:t>Cybercontadino</a:t>
+            </a:r>
+            <a:endParaRPr lang="it-IT" sz="3200" b="1" dirty="0">
+              <a:latin typeface="+mj-lt"/>
+            </a:endParaRPr>
+          </a:p>
+        </p:txBody>
+      </p:sp>
+      <p:pic>
+        <p:nvPicPr>
+          <p:cNvPr id="7174" name="Picture 6" descr="C:\Users\Valerio\JEE-Workspace\SeamAmiciDelGas\WebContent\processes\notificaRegistrazione\processimage.jpg"/>
+          <p:cNvPicPr>
+            <a:picLocks noChangeAspect="1" noChangeArrowheads="1"/>
+          </p:cNvPicPr>
+          <p:nvPr/>
+        </p:nvPicPr>
+        <p:blipFill>
+          <a:blip r:embed="rId3"/>
+          <a:srcRect l="2517" t="624" r="7911" b="16216"/>
+          <a:stretch>
+            <a:fillRect/>
+          </a:stretch>
+        </p:blipFill>
+        <p:spPr bwMode="auto">
+          <a:xfrm>
+            <a:off x="88575" y="1128681"/>
+            <a:ext cx="8966851" cy="4800120"/>
+          </a:xfrm>
+          <a:prstGeom prst="roundRect">
+            <a:avLst>
+              <a:gd name="adj" fmla="val 1328"/>
+            </a:avLst>
+          </a:prstGeom>
+          <a:noFill/>
+          <a:effectLst>
+            <a:reflection blurRad="6350" stA="50000" endA="300" endPos="38500" dist="50800" dir="5400000" sy="-100000" algn="bl" rotWithShape="0"/>
+          </a:effectLst>
+        </p:spPr>
+      </p:pic>
+    </p:spTree>
+  </p:cSld>
+  <p:clrMapOvr>
+    <a:masterClrMapping/>
+  </p:clrMapOvr>
+  <p:transition>
+    <p:fade/>
+  </p:transition>
+  <p:timing>
+    <p:tnLst>
+      <p:par>
+        <p:cTn id="1" dur="indefinite" restart="never" nodeType="tmRoot"/>
+      </p:par>
+    </p:tnLst>
+  </p:timing>
+</p:sld>
+</file>
+
 <file path=ppt/slides/slide5.xml><?xml version="1.0" encoding="utf-8"?>
 <p:sld xmlns:a="http://schemas.openxmlformats.org/drawingml/2006/main" xmlns:r="http://schemas.openxmlformats.org/officeDocument/2006/relationships" xmlns:p="http://schemas.openxmlformats.org/presentationml/2006/main">
   <p:cSld>
